--- a/3. BASM Use Case.pptx
+++ b/3. BASM Use Case.pptx
@@ -191,7 +191,7 @@
   </p:defaultTextStyle>
   <p:extLst>
     <p:ext uri="{EFAFB233-063F-42B5-8137-9DF3F51BA10A}">
-      <p15:sldGuideLst xmlns:p15="http://schemas.microsoft.com/office/powerpoint/2012/main" xmlns="">
+      <p15:sldGuideLst xmlns="" xmlns:p15="http://schemas.microsoft.com/office/powerpoint/2012/main">
         <p15:guide id="1" orient="horz" pos="2160" userDrawn="1">
           <p15:clr>
             <a:srgbClr val="A4A3A4"/>
@@ -230,7 +230,7 @@
       </p15:sldGuideLst>
     </p:ext>
     <p:ext uri="{2D200454-40CA-4A62-9FC3-DE9A4176ACB9}">
-      <p15:notesGuideLst xmlns:p15="http://schemas.microsoft.com/office/powerpoint/2012/main" xmlns="">
+      <p15:notesGuideLst xmlns="" xmlns:p15="http://schemas.microsoft.com/office/powerpoint/2012/main">
         <p15:guide id="1" orient="horz" pos="2880">
           <p15:clr>
             <a:srgbClr val="A4A3A4"/>
@@ -334,7 +334,7 @@
             <a:fld id="{F13CBE06-4247-48DD-820B-9FC81FE0A884}" type="datetime13">
               <a:rPr lang="en-US" smtClean="0"/>
               <a:pPr/>
-              <a:t>11:54:06 PM</a:t>
+              <a:t>3:13:57 PM</a:t>
             </a:fld>
             <a:endParaRPr dirty="0"/>
           </a:p>
@@ -410,7 +410,7 @@
     </p:spTree>
     <p:extLst>
       <p:ext uri="{BB962C8B-B14F-4D97-AF65-F5344CB8AC3E}">
-        <p14:creationId xmlns:p14="http://schemas.microsoft.com/office/powerpoint/2010/main" xmlns="" val="276812638"/>
+        <p14:creationId xmlns="" xmlns:p14="http://schemas.microsoft.com/office/powerpoint/2010/main" val="276812638"/>
       </p:ext>
     </p:extLst>
   </p:cSld>
@@ -506,7 +506,7 @@
             <a:fld id="{673FCB85-FCA9-473C-A486-0593AEC49B4A}" type="datetime13">
               <a:rPr lang="en-US" smtClean="0"/>
               <a:pPr/>
-              <a:t>11:53:19 PM</a:t>
+              <a:t>3:13:51 PM</a:t>
             </a:fld>
             <a:endParaRPr dirty="0"/>
           </a:p>
@@ -674,7 +674,7 @@
     </p:spTree>
     <p:extLst>
       <p:ext uri="{BB962C8B-B14F-4D97-AF65-F5344CB8AC3E}">
-        <p14:creationId xmlns:p14="http://schemas.microsoft.com/office/powerpoint/2010/main" xmlns="" val="427426109"/>
+        <p14:creationId xmlns="" xmlns:p14="http://schemas.microsoft.com/office/powerpoint/2010/main" val="427426109"/>
       </p:ext>
     </p:extLst>
   </p:cSld>
@@ -870,7 +870,7 @@
             <a:fld id="{9D1F73E7-1478-420E-BDE1-E96A3E9CFBF7}" type="datetime13">
               <a:rPr lang="en-US" smtClean="0"/>
               <a:pPr/>
-              <a:t>11:53:19 PM</a:t>
+              <a:t>3:13:51 PM</a:t>
             </a:fld>
             <a:endParaRPr lang="en-US" dirty="0"/>
           </a:p>
@@ -879,7 +879,7 @@
     </p:spTree>
     <p:extLst>
       <p:ext uri="{BB962C8B-B14F-4D97-AF65-F5344CB8AC3E}">
-        <p14:creationId xmlns:p14="http://schemas.microsoft.com/office/powerpoint/2010/main" xmlns="" val="2034097688"/>
+        <p14:creationId xmlns="" xmlns:p14="http://schemas.microsoft.com/office/powerpoint/2010/main" val="2034097688"/>
       </p:ext>
     </p:extLst>
   </p:cSld>
@@ -984,7 +984,7 @@
             <a:fld id="{E06B18FD-5E79-4B07-84B7-F83B891363A6}" type="datetime13">
               <a:rPr lang="en-US" smtClean="0"/>
               <a:pPr/>
-              <a:t>11:53:20 PM</a:t>
+              <a:t>3:13:51 PM</a:t>
             </a:fld>
             <a:endParaRPr lang="en-US" dirty="0"/>
           </a:p>
@@ -993,7 +993,7 @@
     </p:spTree>
     <p:extLst>
       <p:ext uri="{BB962C8B-B14F-4D97-AF65-F5344CB8AC3E}">
-        <p14:creationId xmlns:p14="http://schemas.microsoft.com/office/powerpoint/2010/main" xmlns="" val="3835351325"/>
+        <p14:creationId xmlns="" xmlns:p14="http://schemas.microsoft.com/office/powerpoint/2010/main" val="3835351325"/>
       </p:ext>
     </p:extLst>
   </p:cSld>
@@ -1098,7 +1098,7 @@
             <a:fld id="{AE572F3A-48AD-4F0D-8595-C5207C5D67AA}" type="datetime13">
               <a:rPr lang="en-US" smtClean="0"/>
               <a:pPr/>
-              <a:t>11:53:54 PM</a:t>
+              <a:t>3:13:51 PM</a:t>
             </a:fld>
             <a:endParaRPr lang="en-US" dirty="0"/>
           </a:p>
@@ -1107,7 +1107,7 @@
     </p:spTree>
     <p:extLst>
       <p:ext uri="{BB962C8B-B14F-4D97-AF65-F5344CB8AC3E}">
-        <p14:creationId xmlns:p14="http://schemas.microsoft.com/office/powerpoint/2010/main" xmlns="" val="2708705366"/>
+        <p14:creationId xmlns="" xmlns:p14="http://schemas.microsoft.com/office/powerpoint/2010/main" val="2708705366"/>
       </p:ext>
     </p:extLst>
   </p:cSld>
@@ -1212,7 +1212,7 @@
             <a:fld id="{8C28FA2F-F517-4CB2-8EE1-D7F1C2E6C92D}" type="datetime13">
               <a:rPr lang="en-US" smtClean="0"/>
               <a:pPr/>
-              <a:t>11:53:54 PM</a:t>
+              <a:t>3:13:51 PM</a:t>
             </a:fld>
             <a:endParaRPr lang="en-US" dirty="0"/>
           </a:p>
@@ -1221,7 +1221,7 @@
     </p:spTree>
     <p:extLst>
       <p:ext uri="{BB962C8B-B14F-4D97-AF65-F5344CB8AC3E}">
-        <p14:creationId xmlns:p14="http://schemas.microsoft.com/office/powerpoint/2010/main" xmlns="" val="2810332441"/>
+        <p14:creationId xmlns="" xmlns:p14="http://schemas.microsoft.com/office/powerpoint/2010/main" val="2810332441"/>
       </p:ext>
     </p:extLst>
   </p:cSld>
@@ -1326,7 +1326,7 @@
             <a:fld id="{5CD9A734-4CE0-4C58-ABC6-91A4CD2A45A3}" type="datetime13">
               <a:rPr lang="en-US" smtClean="0"/>
               <a:pPr/>
-              <a:t>11:53:54 PM</a:t>
+              <a:t>3:13:52 PM</a:t>
             </a:fld>
             <a:endParaRPr lang="en-US" dirty="0"/>
           </a:p>
@@ -1335,7 +1335,7 @@
     </p:spTree>
     <p:extLst>
       <p:ext uri="{BB962C8B-B14F-4D97-AF65-F5344CB8AC3E}">
-        <p14:creationId xmlns:p14="http://schemas.microsoft.com/office/powerpoint/2010/main" xmlns="" val="3022787066"/>
+        <p14:creationId xmlns="" xmlns:p14="http://schemas.microsoft.com/office/powerpoint/2010/main" val="3022787066"/>
       </p:ext>
     </p:extLst>
   </p:cSld>
@@ -1416,7 +1416,7 @@
             <a:fld id="{6EB5387C-26CE-4D34-885A-00E43FFEA802}" type="datetime13">
               <a:rPr lang="en-US" smtClean="0"/>
               <a:pPr/>
-              <a:t>11:53:54 PM</a:t>
+              <a:t>3:13:52 PM</a:t>
             </a:fld>
             <a:endParaRPr lang="en-US" dirty="0"/>
           </a:p>
@@ -1449,7 +1449,7 @@
     </p:spTree>
     <p:extLst>
       <p:ext uri="{BB962C8B-B14F-4D97-AF65-F5344CB8AC3E}">
-        <p14:creationId xmlns:p14="http://schemas.microsoft.com/office/powerpoint/2010/main" xmlns="" val="4154765914"/>
+        <p14:creationId xmlns="" xmlns:p14="http://schemas.microsoft.com/office/powerpoint/2010/main" val="4154765914"/>
       </p:ext>
     </p:extLst>
   </p:cSld>
@@ -1554,7 +1554,7 @@
             <a:fld id="{9F2A4091-4551-4F21-81E5-31EB163A24DA}" type="datetime13">
               <a:rPr lang="en-US" smtClean="0"/>
               <a:pPr/>
-              <a:t>11:53:54 PM</a:t>
+              <a:t>3:13:52 PM</a:t>
             </a:fld>
             <a:endParaRPr lang="en-US" dirty="0"/>
           </a:p>
@@ -1563,7 +1563,7 @@
     </p:spTree>
     <p:extLst>
       <p:ext uri="{BB962C8B-B14F-4D97-AF65-F5344CB8AC3E}">
-        <p14:creationId xmlns:p14="http://schemas.microsoft.com/office/powerpoint/2010/main" xmlns="" val="2471918395"/>
+        <p14:creationId xmlns="" xmlns:p14="http://schemas.microsoft.com/office/powerpoint/2010/main" val="2471918395"/>
       </p:ext>
     </p:extLst>
   </p:cSld>
@@ -1668,7 +1668,7 @@
             <a:fld id="{4CF1F53B-2D54-4671-9A21-69414D8F5610}" type="datetime13">
               <a:rPr lang="en-US" smtClean="0"/>
               <a:pPr/>
-              <a:t>11:53:54 PM</a:t>
+              <a:t>3:13:52 PM</a:t>
             </a:fld>
             <a:endParaRPr lang="en-US" dirty="0"/>
           </a:p>
@@ -1677,7 +1677,7 @@
     </p:spTree>
     <p:extLst>
       <p:ext uri="{BB962C8B-B14F-4D97-AF65-F5344CB8AC3E}">
-        <p14:creationId xmlns:p14="http://schemas.microsoft.com/office/powerpoint/2010/main" xmlns="" val="2365775226"/>
+        <p14:creationId xmlns="" xmlns:p14="http://schemas.microsoft.com/office/powerpoint/2010/main" val="2365775226"/>
       </p:ext>
     </p:extLst>
   </p:cSld>
@@ -1758,7 +1758,7 @@
             <a:fld id="{6EB5387C-26CE-4D34-885A-00E43FFEA802}" type="datetime13">
               <a:rPr lang="en-US" smtClean="0"/>
               <a:pPr/>
-              <a:t>11:53:54 PM</a:t>
+              <a:t>3:13:52 PM</a:t>
             </a:fld>
             <a:endParaRPr lang="en-US" dirty="0"/>
           </a:p>
@@ -1791,7 +1791,7 @@
     </p:spTree>
     <p:extLst>
       <p:ext uri="{BB962C8B-B14F-4D97-AF65-F5344CB8AC3E}">
-        <p14:creationId xmlns:p14="http://schemas.microsoft.com/office/powerpoint/2010/main" xmlns="" val="1981694582"/>
+        <p14:creationId xmlns="" xmlns:p14="http://schemas.microsoft.com/office/powerpoint/2010/main" val="1981694582"/>
       </p:ext>
     </p:extLst>
   </p:cSld>
@@ -2042,7 +2042,7 @@
             <a:fld id="{B895ADE7-B983-4E20-827D-BDF513731B37}" type="datetime1">
               <a:rPr lang="en-US" smtClean="0"/>
               <a:pPr/>
-              <a:t>2/10/2014</a:t>
+              <a:t>2/26/2014</a:t>
             </a:fld>
             <a:endParaRPr lang="en-US" dirty="0"/>
           </a:p>
@@ -2116,7 +2116,7 @@
     </p:spTree>
     <p:extLst>
       <p:ext uri="{BB962C8B-B14F-4D97-AF65-F5344CB8AC3E}">
-        <p14:creationId xmlns:p14="http://schemas.microsoft.com/office/powerpoint/2010/main" xmlns="" val="806290320"/>
+        <p14:creationId xmlns="" xmlns:p14="http://schemas.microsoft.com/office/powerpoint/2010/main" val="806290320"/>
       </p:ext>
     </p:extLst>
   </p:cSld>
@@ -2124,7 +2124,7 @@
     <a:masterClrMapping/>
   </p:clrMapOvr>
   <mc:AlternateContent xmlns:mc="http://schemas.openxmlformats.org/markup-compatibility/2006">
-    <mc:Choice xmlns:p14="http://schemas.microsoft.com/office/powerpoint/2010/main" xmlns="" Requires="p14">
+    <mc:Choice xmlns="" xmlns:p14="http://schemas.microsoft.com/office/powerpoint/2010/main" Requires="p14">
       <p:transition spd="med" p14:dur="700">
         <p:fade/>
       </p:transition>
@@ -2310,7 +2310,7 @@
             <a:fld id="{3D80FA55-D8AC-41F9-9FC0-63CA77AD6842}" type="datetime1">
               <a:rPr lang="en-US" smtClean="0"/>
               <a:pPr/>
-              <a:t>2/10/2014</a:t>
+              <a:t>2/26/2014</a:t>
             </a:fld>
             <a:endParaRPr lang="en-US" dirty="0"/>
           </a:p>
@@ -2362,7 +2362,7 @@
     </p:spTree>
     <p:extLst>
       <p:ext uri="{BB962C8B-B14F-4D97-AF65-F5344CB8AC3E}">
-        <p14:creationId xmlns:p14="http://schemas.microsoft.com/office/powerpoint/2010/main" xmlns="" val="2809600953"/>
+        <p14:creationId xmlns="" xmlns:p14="http://schemas.microsoft.com/office/powerpoint/2010/main" val="2809600953"/>
       </p:ext>
     </p:extLst>
   </p:cSld>
@@ -2370,7 +2370,7 @@
     <a:masterClrMapping/>
   </p:clrMapOvr>
   <mc:AlternateContent xmlns:mc="http://schemas.openxmlformats.org/markup-compatibility/2006">
-    <mc:Choice xmlns:p14="http://schemas.microsoft.com/office/powerpoint/2010/main" xmlns="" Requires="p14">
+    <mc:Choice xmlns="" xmlns:p14="http://schemas.microsoft.com/office/powerpoint/2010/main" Requires="p14">
       <p:transition spd="med" p14:dur="700">
         <p:fade/>
       </p:transition>
@@ -2566,7 +2566,7 @@
             <a:fld id="{E8DE5F0F-0B7F-4C48-AE50-AA9D603D16A5}" type="datetime1">
               <a:rPr lang="en-US" smtClean="0"/>
               <a:pPr/>
-              <a:t>2/10/2014</a:t>
+              <a:t>2/26/2014</a:t>
             </a:fld>
             <a:endParaRPr lang="en-US" dirty="0"/>
           </a:p>
@@ -2634,7 +2634,7 @@
     </p:spTree>
     <p:extLst>
       <p:ext uri="{BB962C8B-B14F-4D97-AF65-F5344CB8AC3E}">
-        <p14:creationId xmlns:p14="http://schemas.microsoft.com/office/powerpoint/2010/main" xmlns="" val="2551504508"/>
+        <p14:creationId xmlns="" xmlns:p14="http://schemas.microsoft.com/office/powerpoint/2010/main" val="2551504508"/>
       </p:ext>
     </p:extLst>
   </p:cSld>
@@ -2642,7 +2642,7 @@
     <a:masterClrMapping/>
   </p:clrMapOvr>
   <mc:AlternateContent xmlns:mc="http://schemas.openxmlformats.org/markup-compatibility/2006">
-    <mc:Choice xmlns:p14="http://schemas.microsoft.com/office/powerpoint/2010/main" xmlns="" Requires="p14">
+    <mc:Choice xmlns="" xmlns:p14="http://schemas.microsoft.com/office/powerpoint/2010/main" Requires="p14">
       <p:transition spd="med" p14:dur="700">
         <p:fade/>
       </p:transition>
@@ -2774,7 +2774,7 @@
     </p:spTree>
     <p:extLst>
       <p:ext uri="{BB962C8B-B14F-4D97-AF65-F5344CB8AC3E}">
-        <p14:creationId xmlns:p14="http://schemas.microsoft.com/office/powerpoint/2010/main" xmlns="" val="701855382"/>
+        <p14:creationId xmlns="" xmlns:p14="http://schemas.microsoft.com/office/powerpoint/2010/main" val="701855382"/>
       </p:ext>
     </p:extLst>
   </p:cSld>
@@ -2782,7 +2782,7 @@
     <a:masterClrMapping/>
   </p:clrMapOvr>
   <mc:AlternateContent xmlns:mc="http://schemas.openxmlformats.org/markup-compatibility/2006">
-    <mc:Choice xmlns:p14="http://schemas.microsoft.com/office/powerpoint/2010/main" xmlns="" Requires="p14">
+    <mc:Choice xmlns="" xmlns:p14="http://schemas.microsoft.com/office/powerpoint/2010/main" Requires="p14">
       <p:transition spd="med" p14:dur="700">
         <p:fade/>
       </p:transition>
@@ -2957,7 +2957,7 @@
             <a:fld id="{220793D5-A9F6-447C-8F76-AC96970F86CD}" type="datetime1">
               <a:rPr lang="en-US" smtClean="0"/>
               <a:pPr/>
-              <a:t>2/10/2014</a:t>
+              <a:t>2/26/2014</a:t>
             </a:fld>
             <a:endParaRPr lang="en-US" dirty="0"/>
           </a:p>
@@ -3009,7 +3009,7 @@
     </p:spTree>
     <p:extLst>
       <p:ext uri="{BB962C8B-B14F-4D97-AF65-F5344CB8AC3E}">
-        <p14:creationId xmlns:p14="http://schemas.microsoft.com/office/powerpoint/2010/main" xmlns="" val="3836249813"/>
+        <p14:creationId xmlns="" xmlns:p14="http://schemas.microsoft.com/office/powerpoint/2010/main" val="3836249813"/>
       </p:ext>
     </p:extLst>
   </p:cSld>
@@ -3017,7 +3017,7 @@
     <a:masterClrMapping/>
   </p:clrMapOvr>
   <mc:AlternateContent xmlns:mc="http://schemas.openxmlformats.org/markup-compatibility/2006">
-    <mc:Choice xmlns:p14="http://schemas.microsoft.com/office/powerpoint/2010/main" xmlns="" Requires="p14">
+    <mc:Choice xmlns="" xmlns:p14="http://schemas.microsoft.com/office/powerpoint/2010/main" Requires="p14">
       <p:transition spd="med" p14:dur="700">
         <p:fade/>
       </p:transition>
@@ -3280,7 +3280,7 @@
             <a:fld id="{04193211-7D8B-427E-9F50-2C26A1633906}" type="datetime1">
               <a:rPr lang="en-US" smtClean="0"/>
               <a:pPr/>
-              <a:t>2/10/2014</a:t>
+              <a:t>2/26/2014</a:t>
             </a:fld>
             <a:endParaRPr lang="en-US" dirty="0"/>
           </a:p>
@@ -3354,7 +3354,7 @@
     </p:spTree>
     <p:extLst>
       <p:ext uri="{BB962C8B-B14F-4D97-AF65-F5344CB8AC3E}">
-        <p14:creationId xmlns:p14="http://schemas.microsoft.com/office/powerpoint/2010/main" xmlns="" val="2559809729"/>
+        <p14:creationId xmlns="" xmlns:p14="http://schemas.microsoft.com/office/powerpoint/2010/main" val="2559809729"/>
       </p:ext>
     </p:extLst>
   </p:cSld>
@@ -3362,7 +3362,7 @@
     <a:masterClrMapping/>
   </p:clrMapOvr>
   <mc:AlternateContent xmlns:mc="http://schemas.openxmlformats.org/markup-compatibility/2006">
-    <mc:Choice xmlns:p14="http://schemas.microsoft.com/office/powerpoint/2010/main" xmlns="" Requires="p14">
+    <mc:Choice xmlns="" xmlns:p14="http://schemas.microsoft.com/office/powerpoint/2010/main" Requires="p14">
       <p:transition spd="med" p14:dur="700">
         <p:fade/>
       </p:transition>
@@ -3598,7 +3598,7 @@
             <a:fld id="{945A12E1-C3B8-4B4A-BAB0-F47F6778D9ED}" type="datetime1">
               <a:rPr lang="en-US" smtClean="0"/>
               <a:pPr/>
-              <a:t>2/10/2014</a:t>
+              <a:t>2/26/2014</a:t>
             </a:fld>
             <a:endParaRPr lang="en-US" dirty="0"/>
           </a:p>
@@ -3650,7 +3650,7 @@
     </p:spTree>
     <p:extLst>
       <p:ext uri="{BB962C8B-B14F-4D97-AF65-F5344CB8AC3E}">
-        <p14:creationId xmlns:p14="http://schemas.microsoft.com/office/powerpoint/2010/main" xmlns="" val="1539849771"/>
+        <p14:creationId xmlns="" xmlns:p14="http://schemas.microsoft.com/office/powerpoint/2010/main" val="1539849771"/>
       </p:ext>
     </p:extLst>
   </p:cSld>
@@ -3658,7 +3658,7 @@
     <a:masterClrMapping/>
   </p:clrMapOvr>
   <mc:AlternateContent xmlns:mc="http://schemas.openxmlformats.org/markup-compatibility/2006">
-    <mc:Choice xmlns:p14="http://schemas.microsoft.com/office/powerpoint/2010/main" xmlns="" Requires="p14">
+    <mc:Choice xmlns="" xmlns:p14="http://schemas.microsoft.com/office/powerpoint/2010/main" Requires="p14">
       <p:transition spd="med" p14:dur="700">
         <p:fade/>
       </p:transition>
@@ -4040,7 +4040,7 @@
             <a:fld id="{22C3EF75-E4E9-4546-9767-D35CAA5273EE}" type="datetime1">
               <a:rPr lang="en-US" smtClean="0"/>
               <a:pPr/>
-              <a:t>2/10/2014</a:t>
+              <a:t>2/26/2014</a:t>
             </a:fld>
             <a:endParaRPr lang="en-US" dirty="0"/>
           </a:p>
@@ -4092,7 +4092,7 @@
     </p:spTree>
     <p:extLst>
       <p:ext uri="{BB962C8B-B14F-4D97-AF65-F5344CB8AC3E}">
-        <p14:creationId xmlns:p14="http://schemas.microsoft.com/office/powerpoint/2010/main" xmlns="" val="2313805884"/>
+        <p14:creationId xmlns="" xmlns:p14="http://schemas.microsoft.com/office/powerpoint/2010/main" val="2313805884"/>
       </p:ext>
     </p:extLst>
   </p:cSld>
@@ -4100,7 +4100,7 @@
     <a:masterClrMapping/>
   </p:clrMapOvr>
   <mc:AlternateContent xmlns:mc="http://schemas.openxmlformats.org/markup-compatibility/2006">
-    <mc:Choice xmlns:p14="http://schemas.microsoft.com/office/powerpoint/2010/main" xmlns="" Requires="p14">
+    <mc:Choice xmlns="" xmlns:p14="http://schemas.microsoft.com/office/powerpoint/2010/main" Requires="p14">
       <p:transition spd="med" p14:dur="700">
         <p:fade/>
       </p:transition>
@@ -4218,7 +4218,7 @@
             <a:fld id="{BFD363A7-9126-46B3-AE22-A597252278AB}" type="datetime1">
               <a:rPr lang="en-US" smtClean="0"/>
               <a:pPr/>
-              <a:t>2/10/2014</a:t>
+              <a:t>2/26/2014</a:t>
             </a:fld>
             <a:endParaRPr lang="en-US" dirty="0"/>
           </a:p>
@@ -4270,7 +4270,7 @@
     </p:spTree>
     <p:extLst>
       <p:ext uri="{BB962C8B-B14F-4D97-AF65-F5344CB8AC3E}">
-        <p14:creationId xmlns:p14="http://schemas.microsoft.com/office/powerpoint/2010/main" xmlns="" val="1447033059"/>
+        <p14:creationId xmlns="" xmlns:p14="http://schemas.microsoft.com/office/powerpoint/2010/main" val="1447033059"/>
       </p:ext>
     </p:extLst>
   </p:cSld>
@@ -4278,7 +4278,7 @@
     <a:masterClrMapping/>
   </p:clrMapOvr>
   <mc:AlternateContent xmlns:mc="http://schemas.openxmlformats.org/markup-compatibility/2006">
-    <mc:Choice xmlns:p14="http://schemas.microsoft.com/office/powerpoint/2010/main" xmlns="" Requires="p14">
+    <mc:Choice xmlns="" xmlns:p14="http://schemas.microsoft.com/office/powerpoint/2010/main" Requires="p14">
       <p:transition spd="med" p14:dur="700">
         <p:fade/>
       </p:transition>
@@ -4334,7 +4334,7 @@
             <a:fld id="{4351B009-FE1C-430C-B4F0-9DC20C8D1BAF}" type="datetime1">
               <a:rPr lang="en-US" smtClean="0"/>
               <a:pPr/>
-              <a:t>2/10/2014</a:t>
+              <a:t>2/26/2014</a:t>
             </a:fld>
             <a:endParaRPr lang="en-US" dirty="0"/>
           </a:p>
@@ -4386,7 +4386,7 @@
     </p:spTree>
     <p:extLst>
       <p:ext uri="{BB962C8B-B14F-4D97-AF65-F5344CB8AC3E}">
-        <p14:creationId xmlns:p14="http://schemas.microsoft.com/office/powerpoint/2010/main" xmlns="" val="1003210152"/>
+        <p14:creationId xmlns="" xmlns:p14="http://schemas.microsoft.com/office/powerpoint/2010/main" val="1003210152"/>
       </p:ext>
     </p:extLst>
   </p:cSld>
@@ -4394,7 +4394,7 @@
     <a:masterClrMapping/>
   </p:clrMapOvr>
   <mc:AlternateContent xmlns:mc="http://schemas.openxmlformats.org/markup-compatibility/2006">
-    <mc:Choice xmlns:p14="http://schemas.microsoft.com/office/powerpoint/2010/main" xmlns="" Requires="p14">
+    <mc:Choice xmlns="" xmlns:p14="http://schemas.microsoft.com/office/powerpoint/2010/main" Requires="p14">
       <p:transition spd="med" p14:dur="700">
         <p:fade/>
       </p:transition>
@@ -4733,7 +4733,7 @@
             <a:fld id="{CBC4BCA4-2535-4D46-B77C-2657438477C9}" type="datetime1">
               <a:rPr lang="en-US" smtClean="0"/>
               <a:pPr/>
-              <a:t>2/10/2014</a:t>
+              <a:t>2/26/2014</a:t>
             </a:fld>
             <a:endParaRPr lang="en-US" dirty="0"/>
           </a:p>
@@ -4807,7 +4807,7 @@
     </p:spTree>
     <p:extLst>
       <p:ext uri="{BB962C8B-B14F-4D97-AF65-F5344CB8AC3E}">
-        <p14:creationId xmlns:p14="http://schemas.microsoft.com/office/powerpoint/2010/main" xmlns="" val="3875089196"/>
+        <p14:creationId xmlns="" xmlns:p14="http://schemas.microsoft.com/office/powerpoint/2010/main" val="3875089196"/>
       </p:ext>
     </p:extLst>
   </p:cSld>
@@ -4815,7 +4815,7 @@
     <a:masterClrMapping/>
   </p:clrMapOvr>
   <mc:AlternateContent xmlns:mc="http://schemas.openxmlformats.org/markup-compatibility/2006">
-    <mc:Choice xmlns:p14="http://schemas.microsoft.com/office/powerpoint/2010/main" xmlns="" Requires="p14">
+    <mc:Choice xmlns="" xmlns:p14="http://schemas.microsoft.com/office/powerpoint/2010/main" Requires="p14">
       <p:transition spd="med" p14:dur="700">
         <p:fade/>
       </p:transition>
@@ -5043,7 +5043,7 @@
             <a:fld id="{71519DC8-1502-4D4C-B85C-5B2334DE07B5}" type="datetime1">
               <a:rPr lang="en-US" smtClean="0"/>
               <a:pPr/>
-              <a:t>2/10/2014</a:t>
+              <a:t>2/26/2014</a:t>
             </a:fld>
             <a:endParaRPr lang="en-US" dirty="0"/>
           </a:p>
@@ -5095,7 +5095,7 @@
     </p:spTree>
     <p:extLst>
       <p:ext uri="{BB962C8B-B14F-4D97-AF65-F5344CB8AC3E}">
-        <p14:creationId xmlns:p14="http://schemas.microsoft.com/office/powerpoint/2010/main" xmlns="" val="1484665387"/>
+        <p14:creationId xmlns="" xmlns:p14="http://schemas.microsoft.com/office/powerpoint/2010/main" val="1484665387"/>
       </p:ext>
     </p:extLst>
   </p:cSld>
@@ -5103,7 +5103,7 @@
     <a:masterClrMapping/>
   </p:clrMapOvr>
   <mc:AlternateContent xmlns:mc="http://schemas.openxmlformats.org/markup-compatibility/2006">
-    <mc:Choice xmlns:p14="http://schemas.microsoft.com/office/powerpoint/2010/main" xmlns="" Requires="p14">
+    <mc:Choice xmlns="" xmlns:p14="http://schemas.microsoft.com/office/powerpoint/2010/main" Requires="p14">
       <p:transition spd="med" p14:dur="700">
         <p:fade/>
       </p:transition>
@@ -5275,7 +5275,7 @@
             <a:fld id="{01A6D6B6-117E-463A-912B-541CEF18F61B}" type="datetime1">
               <a:rPr lang="en-US" smtClean="0"/>
               <a:pPr/>
-              <a:t>2/10/2014</a:t>
+              <a:t>2/26/2014</a:t>
             </a:fld>
             <a:endParaRPr lang="en-US" dirty="0"/>
           </a:p>
@@ -5470,7 +5470,7 @@
     </p:spTree>
     <p:extLst>
       <p:ext uri="{BB962C8B-B14F-4D97-AF65-F5344CB8AC3E}">
-        <p14:creationId xmlns:p14="http://schemas.microsoft.com/office/powerpoint/2010/main" xmlns="" val="657212776"/>
+        <p14:creationId xmlns="" xmlns:p14="http://schemas.microsoft.com/office/powerpoint/2010/main" val="657212776"/>
       </p:ext>
     </p:extLst>
   </p:cSld>
@@ -5490,7 +5490,7 @@
     <p:sldLayoutId id="2147483770" r:id="rId12"/>
   </p:sldLayoutIdLst>
   <mc:AlternateContent xmlns:mc="http://schemas.openxmlformats.org/markup-compatibility/2006">
-    <mc:Choice xmlns:p14="http://schemas.microsoft.com/office/powerpoint/2010/main" xmlns="" Requires="p14">
+    <mc:Choice xmlns="" xmlns:p14="http://schemas.microsoft.com/office/powerpoint/2010/main" Requires="p14">
       <p:transition spd="med" p14:dur="700">
         <p:fade/>
       </p:transition>
@@ -5958,7 +5958,7 @@
     </p:spTree>
     <p:extLst>
       <p:ext uri="{BB962C8B-B14F-4D97-AF65-F5344CB8AC3E}">
-        <p14:creationId xmlns:p14="http://schemas.microsoft.com/office/powerpoint/2010/main" xmlns="" val="2707543024"/>
+        <p14:creationId xmlns="" xmlns:p14="http://schemas.microsoft.com/office/powerpoint/2010/main" val="2707543024"/>
       </p:ext>
     </p:extLst>
   </p:cSld>
@@ -5966,7 +5966,7 @@
     <a:masterClrMapping/>
   </p:clrMapOvr>
   <mc:AlternateContent xmlns:mc="http://schemas.openxmlformats.org/markup-compatibility/2006">
-    <mc:Choice xmlns:p14="http://schemas.microsoft.com/office/powerpoint/2010/main" xmlns="" Requires="p14">
+    <mc:Choice xmlns="" xmlns:p14="http://schemas.microsoft.com/office/powerpoint/2010/main" Requires="p14">
       <p:transition spd="med" p14:dur="700">
         <p:fade/>
       </p:transition>
@@ -6118,7 +6118,7 @@
     </p:spTree>
     <p:extLst>
       <p:ext uri="{BB962C8B-B14F-4D97-AF65-F5344CB8AC3E}">
-        <p14:creationId xmlns:p14="http://schemas.microsoft.com/office/powerpoint/2010/main" xmlns="" val="286157254"/>
+        <p14:creationId xmlns="" xmlns:p14="http://schemas.microsoft.com/office/powerpoint/2010/main" val="286157254"/>
       </p:ext>
     </p:extLst>
   </p:cSld>
@@ -6126,7 +6126,7 @@
     <a:masterClrMapping/>
   </p:clrMapOvr>
   <mc:AlternateContent xmlns:mc="http://schemas.openxmlformats.org/markup-compatibility/2006">
-    <mc:Choice xmlns:p14="http://schemas.microsoft.com/office/powerpoint/2010/main" xmlns="" Requires="p14">
+    <mc:Choice xmlns="" xmlns:p14="http://schemas.microsoft.com/office/powerpoint/2010/main" Requires="p14">
       <p:transition spd="med" p14:dur="700">
         <p:fade/>
       </p:transition>
@@ -6207,7 +6207,7 @@
             <p:ph idx="1"/>
             <p:extLst>
               <p:ext uri="{D42A27DB-BD31-4B8C-83A1-F6EECF244321}">
-                <p14:modId xmlns:p14="http://schemas.microsoft.com/office/powerpoint/2010/main" xmlns="" val="1166406373"/>
+                <p14:modId xmlns="" xmlns:p14="http://schemas.microsoft.com/office/powerpoint/2010/main" val="1166406373"/>
               </p:ext>
             </p:extLst>
           </p:nvPr>
@@ -6622,7 +6622,7 @@
     </p:spTree>
     <p:extLst>
       <p:ext uri="{BB962C8B-B14F-4D97-AF65-F5344CB8AC3E}">
-        <p14:creationId xmlns:p14="http://schemas.microsoft.com/office/powerpoint/2010/main" xmlns="" val="1436009833"/>
+        <p14:creationId xmlns="" xmlns:p14="http://schemas.microsoft.com/office/powerpoint/2010/main" val="1436009833"/>
       </p:ext>
     </p:extLst>
   </p:cSld>
@@ -6630,7 +6630,7 @@
     <a:masterClrMapping/>
   </p:clrMapOvr>
   <mc:AlternateContent xmlns:mc="http://schemas.openxmlformats.org/markup-compatibility/2006">
-    <mc:Choice xmlns:p14="http://schemas.microsoft.com/office/powerpoint/2010/main" xmlns="" Requires="p14">
+    <mc:Choice xmlns="" xmlns:p14="http://schemas.microsoft.com/office/powerpoint/2010/main" Requires="p14">
       <p:transition spd="med" p14:dur="700">
         <p:fade/>
       </p:transition>
@@ -6782,7 +6782,7 @@
     </p:spTree>
     <p:extLst>
       <p:ext uri="{BB962C8B-B14F-4D97-AF65-F5344CB8AC3E}">
-        <p14:creationId xmlns:p14="http://schemas.microsoft.com/office/powerpoint/2010/main" xmlns="" val="1600102445"/>
+        <p14:creationId xmlns="" xmlns:p14="http://schemas.microsoft.com/office/powerpoint/2010/main" val="1600102445"/>
       </p:ext>
     </p:extLst>
   </p:cSld>
@@ -6790,7 +6790,7 @@
     <a:masterClrMapping/>
   </p:clrMapOvr>
   <mc:AlternateContent xmlns:mc="http://schemas.openxmlformats.org/markup-compatibility/2006">
-    <mc:Choice xmlns:p14="http://schemas.microsoft.com/office/powerpoint/2010/main" xmlns="" Requires="p14">
+    <mc:Choice xmlns="" xmlns:p14="http://schemas.microsoft.com/office/powerpoint/2010/main" Requires="p14">
       <p:transition spd="med" p14:dur="700">
         <p:fade/>
       </p:transition>
@@ -6871,7 +6871,7 @@
             <p:ph idx="1"/>
             <p:extLst>
               <p:ext uri="{D42A27DB-BD31-4B8C-83A1-F6EECF244321}">
-                <p14:modId xmlns:p14="http://schemas.microsoft.com/office/powerpoint/2010/main" xmlns="" val="4273269888"/>
+                <p14:modId xmlns="" xmlns:p14="http://schemas.microsoft.com/office/powerpoint/2010/main" val="4273269888"/>
               </p:ext>
             </p:extLst>
           </p:nvPr>
@@ -7306,7 +7306,7 @@
     </p:spTree>
     <p:extLst>
       <p:ext uri="{BB962C8B-B14F-4D97-AF65-F5344CB8AC3E}">
-        <p14:creationId xmlns:p14="http://schemas.microsoft.com/office/powerpoint/2010/main" xmlns="" val="3878134041"/>
+        <p14:creationId xmlns="" xmlns:p14="http://schemas.microsoft.com/office/powerpoint/2010/main" val="3878134041"/>
       </p:ext>
     </p:extLst>
   </p:cSld>
@@ -7314,7 +7314,7 @@
     <a:masterClrMapping/>
   </p:clrMapOvr>
   <mc:AlternateContent xmlns:mc="http://schemas.openxmlformats.org/markup-compatibility/2006">
-    <mc:Choice xmlns:p14="http://schemas.microsoft.com/office/powerpoint/2010/main" xmlns="" Requires="p14">
+    <mc:Choice xmlns="" xmlns:p14="http://schemas.microsoft.com/office/powerpoint/2010/main" Requires="p14">
       <p:transition spd="med" p14:dur="700">
         <p:fade/>
       </p:transition>
@@ -7475,7 +7475,7 @@
     </p:spTree>
     <p:extLst>
       <p:ext uri="{BB962C8B-B14F-4D97-AF65-F5344CB8AC3E}">
-        <p14:creationId xmlns:p14="http://schemas.microsoft.com/office/powerpoint/2010/main" xmlns="" val="1579802995"/>
+        <p14:creationId xmlns="" xmlns:p14="http://schemas.microsoft.com/office/powerpoint/2010/main" val="1579802995"/>
       </p:ext>
     </p:extLst>
   </p:cSld>
@@ -7483,7 +7483,7 @@
     <a:masterClrMapping/>
   </p:clrMapOvr>
   <mc:AlternateContent xmlns:mc="http://schemas.openxmlformats.org/markup-compatibility/2006">
-    <mc:Choice xmlns:p14="http://schemas.microsoft.com/office/powerpoint/2010/main" xmlns="" Requires="p14">
+    <mc:Choice xmlns="" xmlns:p14="http://schemas.microsoft.com/office/powerpoint/2010/main" Requires="p14">
       <p:transition spd="med" p14:dur="700">
         <p:fade/>
       </p:transition>
@@ -7564,7 +7564,7 @@
             <p:ph idx="1"/>
             <p:extLst>
               <p:ext uri="{D42A27DB-BD31-4B8C-83A1-F6EECF244321}">
-                <p14:modId xmlns:p14="http://schemas.microsoft.com/office/powerpoint/2010/main" xmlns="" val="1796171330"/>
+                <p14:modId xmlns="" xmlns:p14="http://schemas.microsoft.com/office/powerpoint/2010/main" val="1796171330"/>
               </p:ext>
             </p:extLst>
           </p:nvPr>
@@ -8052,7 +8052,7 @@
     </p:spTree>
     <p:extLst>
       <p:ext uri="{BB962C8B-B14F-4D97-AF65-F5344CB8AC3E}">
-        <p14:creationId xmlns:p14="http://schemas.microsoft.com/office/powerpoint/2010/main" xmlns="" val="2398490443"/>
+        <p14:creationId xmlns="" xmlns:p14="http://schemas.microsoft.com/office/powerpoint/2010/main" val="2398490443"/>
       </p:ext>
     </p:extLst>
   </p:cSld>
@@ -8060,7 +8060,7 @@
     <a:masterClrMapping/>
   </p:clrMapOvr>
   <mc:AlternateContent xmlns:mc="http://schemas.openxmlformats.org/markup-compatibility/2006">
-    <mc:Choice xmlns:p14="http://schemas.microsoft.com/office/powerpoint/2010/main" xmlns="" Requires="p14">
+    <mc:Choice xmlns="" xmlns:p14="http://schemas.microsoft.com/office/powerpoint/2010/main" Requires="p14">
       <p:transition spd="med" p14:dur="700">
         <p:fade/>
       </p:transition>
@@ -8210,7 +8210,7 @@
     </p:spTree>
     <p:extLst>
       <p:ext uri="{BB962C8B-B14F-4D97-AF65-F5344CB8AC3E}">
-        <p14:creationId xmlns:p14="http://schemas.microsoft.com/office/powerpoint/2010/main" xmlns="" val="4040735176"/>
+        <p14:creationId xmlns="" xmlns:p14="http://schemas.microsoft.com/office/powerpoint/2010/main" val="4040735176"/>
       </p:ext>
     </p:extLst>
   </p:cSld>
@@ -8218,7 +8218,7 @@
     <a:masterClrMapping/>
   </p:clrMapOvr>
   <mc:AlternateContent xmlns:mc="http://schemas.openxmlformats.org/markup-compatibility/2006">
-    <mc:Choice xmlns:p14="http://schemas.microsoft.com/office/powerpoint/2010/main" xmlns="" Requires="p14">
+    <mc:Choice xmlns="" xmlns:p14="http://schemas.microsoft.com/office/powerpoint/2010/main" Requires="p14">
       <p:transition spd="med" p14:dur="700">
         <p:fade/>
       </p:transition>
@@ -8299,7 +8299,7 @@
             <p:ph idx="1"/>
             <p:extLst>
               <p:ext uri="{D42A27DB-BD31-4B8C-83A1-F6EECF244321}">
-                <p14:modId xmlns:p14="http://schemas.microsoft.com/office/powerpoint/2010/main" xmlns="" val="3086035818"/>
+                <p14:modId xmlns="" xmlns:p14="http://schemas.microsoft.com/office/powerpoint/2010/main" val="3086035818"/>
               </p:ext>
             </p:extLst>
           </p:nvPr>
@@ -8757,7 +8757,7 @@
     </p:spTree>
     <p:extLst>
       <p:ext uri="{BB962C8B-B14F-4D97-AF65-F5344CB8AC3E}">
-        <p14:creationId xmlns:p14="http://schemas.microsoft.com/office/powerpoint/2010/main" xmlns="" val="3150375870"/>
+        <p14:creationId xmlns="" xmlns:p14="http://schemas.microsoft.com/office/powerpoint/2010/main" val="3150375870"/>
       </p:ext>
     </p:extLst>
   </p:cSld>
@@ -8765,7 +8765,7 @@
     <a:masterClrMapping/>
   </p:clrMapOvr>
   <mc:AlternateContent xmlns:mc="http://schemas.openxmlformats.org/markup-compatibility/2006">
-    <mc:Choice xmlns:p14="http://schemas.microsoft.com/office/powerpoint/2010/main" xmlns="" Requires="p14">
+    <mc:Choice xmlns="" xmlns:p14="http://schemas.microsoft.com/office/powerpoint/2010/main" Requires="p14">
       <p:transition spd="med" p14:dur="700">
         <p:fade/>
       </p:transition>
@@ -8930,7 +8930,7 @@
     </p:spTree>
     <p:extLst>
       <p:ext uri="{BB962C8B-B14F-4D97-AF65-F5344CB8AC3E}">
-        <p14:creationId xmlns:p14="http://schemas.microsoft.com/office/powerpoint/2010/main" xmlns="" val="8456768"/>
+        <p14:creationId xmlns="" xmlns:p14="http://schemas.microsoft.com/office/powerpoint/2010/main" val="8456768"/>
       </p:ext>
     </p:extLst>
   </p:cSld>
@@ -8938,7 +8938,7 @@
     <a:masterClrMapping/>
   </p:clrMapOvr>
   <mc:AlternateContent xmlns:mc="http://schemas.openxmlformats.org/markup-compatibility/2006">
-    <mc:Choice xmlns:p14="http://schemas.microsoft.com/office/powerpoint/2010/main" xmlns="" Requires="p14">
+    <mc:Choice xmlns="" xmlns:p14="http://schemas.microsoft.com/office/powerpoint/2010/main" Requires="p14">
       <p:transition spd="med" p14:dur="700">
         <p:fade/>
       </p:transition>
@@ -9019,7 +9019,7 @@
             <p:ph idx="1"/>
             <p:extLst>
               <p:ext uri="{D42A27DB-BD31-4B8C-83A1-F6EECF244321}">
-                <p14:modId xmlns:p14="http://schemas.microsoft.com/office/powerpoint/2010/main" xmlns="" val="877438620"/>
+                <p14:modId xmlns="" xmlns:p14="http://schemas.microsoft.com/office/powerpoint/2010/main" val="877438620"/>
               </p:ext>
             </p:extLst>
           </p:nvPr>
@@ -9437,7 +9437,7 @@
     </p:spTree>
     <p:extLst>
       <p:ext uri="{BB962C8B-B14F-4D97-AF65-F5344CB8AC3E}">
-        <p14:creationId xmlns:p14="http://schemas.microsoft.com/office/powerpoint/2010/main" xmlns="" val="2910986230"/>
+        <p14:creationId xmlns="" xmlns:p14="http://schemas.microsoft.com/office/powerpoint/2010/main" val="2910986230"/>
       </p:ext>
     </p:extLst>
   </p:cSld>
@@ -9445,7 +9445,7 @@
     <a:masterClrMapping/>
   </p:clrMapOvr>
   <mc:AlternateContent xmlns:mc="http://schemas.openxmlformats.org/markup-compatibility/2006">
-    <mc:Choice xmlns:p14="http://schemas.microsoft.com/office/powerpoint/2010/main" xmlns="" Requires="p14">
+    <mc:Choice xmlns="" xmlns:p14="http://schemas.microsoft.com/office/powerpoint/2010/main" Requires="p14">
       <p:transition spd="med" p14:dur="700">
         <p:fade/>
       </p:transition>
@@ -9542,7 +9542,7 @@
     </p:spTree>
     <p:extLst>
       <p:ext uri="{BB962C8B-B14F-4D97-AF65-F5344CB8AC3E}">
-        <p14:creationId xmlns:p14="http://schemas.microsoft.com/office/powerpoint/2010/main" xmlns="" val="906257648"/>
+        <p14:creationId xmlns="" xmlns:p14="http://schemas.microsoft.com/office/powerpoint/2010/main" val="906257648"/>
       </p:ext>
     </p:extLst>
   </p:cSld>
@@ -9550,7 +9550,7 @@
     <a:masterClrMapping/>
   </p:clrMapOvr>
   <mc:AlternateContent xmlns:mc="http://schemas.openxmlformats.org/markup-compatibility/2006">
-    <mc:Choice xmlns:p14="http://schemas.microsoft.com/office/powerpoint/2010/main" xmlns="" Requires="p14">
+    <mc:Choice xmlns="" xmlns:p14="http://schemas.microsoft.com/office/powerpoint/2010/main" Requires="p14">
       <p:transition spd="med" p14:dur="700">
         <p:fade/>
       </p:transition>
@@ -9631,7 +9631,7 @@
             <p:ph idx="1"/>
             <p:extLst>
               <p:ext uri="{D42A27DB-BD31-4B8C-83A1-F6EECF244321}">
-                <p14:modId xmlns:p14="http://schemas.microsoft.com/office/powerpoint/2010/main" xmlns="" val="2875161739"/>
+                <p14:modId xmlns="" xmlns:p14="http://schemas.microsoft.com/office/powerpoint/2010/main" val="2875161739"/>
               </p:ext>
             </p:extLst>
           </p:nvPr>
@@ -9895,7 +9895,7 @@
     </p:spTree>
     <p:extLst>
       <p:ext uri="{BB962C8B-B14F-4D97-AF65-F5344CB8AC3E}">
-        <p14:creationId xmlns:p14="http://schemas.microsoft.com/office/powerpoint/2010/main" xmlns="" val="428642126"/>
+        <p14:creationId xmlns="" xmlns:p14="http://schemas.microsoft.com/office/powerpoint/2010/main" val="428642126"/>
       </p:ext>
     </p:extLst>
   </p:cSld>
@@ -9903,7 +9903,7 @@
     <a:masterClrMapping/>
   </p:clrMapOvr>
   <mc:AlternateContent xmlns:mc="http://schemas.openxmlformats.org/markup-compatibility/2006">
-    <mc:Choice xmlns:p14="http://schemas.microsoft.com/office/powerpoint/2010/main" xmlns="" Requires="p14">
+    <mc:Choice xmlns="" xmlns:p14="http://schemas.microsoft.com/office/powerpoint/2010/main" Requires="p14">
       <p:transition spd="med" p14:dur="700">
         <p:fade/>
       </p:transition>
@@ -9984,7 +9984,7 @@
             <p:ph idx="1"/>
             <p:extLst>
               <p:ext uri="{D42A27DB-BD31-4B8C-83A1-F6EECF244321}">
-                <p14:modId xmlns:p14="http://schemas.microsoft.com/office/powerpoint/2010/main" xmlns="" val="3899554841"/>
+                <p14:modId xmlns="" xmlns:p14="http://schemas.microsoft.com/office/powerpoint/2010/main" val="3899554841"/>
               </p:ext>
             </p:extLst>
           </p:nvPr>
@@ -10272,7 +10272,7 @@
     </p:spTree>
     <p:extLst>
       <p:ext uri="{BB962C8B-B14F-4D97-AF65-F5344CB8AC3E}">
-        <p14:creationId xmlns:p14="http://schemas.microsoft.com/office/powerpoint/2010/main" xmlns="" val="3131172966"/>
+        <p14:creationId xmlns="" xmlns:p14="http://schemas.microsoft.com/office/powerpoint/2010/main" val="3131172966"/>
       </p:ext>
     </p:extLst>
   </p:cSld>
@@ -10280,7 +10280,7 @@
     <a:masterClrMapping/>
   </p:clrMapOvr>
   <mc:AlternateContent xmlns:mc="http://schemas.openxmlformats.org/markup-compatibility/2006">
-    <mc:Choice xmlns:p14="http://schemas.microsoft.com/office/powerpoint/2010/main" xmlns="" Requires="p14">
+    <mc:Choice xmlns="" xmlns:p14="http://schemas.microsoft.com/office/powerpoint/2010/main" Requires="p14">
       <p:transition spd="med" p14:dur="700">
         <p:fade/>
       </p:transition>
@@ -10432,7 +10432,7 @@
     </p:spTree>
     <p:extLst>
       <p:ext uri="{BB962C8B-B14F-4D97-AF65-F5344CB8AC3E}">
-        <p14:creationId xmlns:p14="http://schemas.microsoft.com/office/powerpoint/2010/main" xmlns="" val="3501678275"/>
+        <p14:creationId xmlns="" xmlns:p14="http://schemas.microsoft.com/office/powerpoint/2010/main" val="3501678275"/>
       </p:ext>
     </p:extLst>
   </p:cSld>
@@ -10440,7 +10440,7 @@
     <a:masterClrMapping/>
   </p:clrMapOvr>
   <mc:AlternateContent xmlns:mc="http://schemas.openxmlformats.org/markup-compatibility/2006">
-    <mc:Choice xmlns:p14="http://schemas.microsoft.com/office/powerpoint/2010/main" xmlns="" Requires="p14">
+    <mc:Choice xmlns="" xmlns:p14="http://schemas.microsoft.com/office/powerpoint/2010/main" Requires="p14">
       <p:transition spd="med" p14:dur="700">
         <p:fade/>
       </p:transition>
@@ -10521,7 +10521,7 @@
             <p:ph idx="1"/>
             <p:extLst>
               <p:ext uri="{D42A27DB-BD31-4B8C-83A1-F6EECF244321}">
-                <p14:modId xmlns:p14="http://schemas.microsoft.com/office/powerpoint/2010/main" xmlns="" val="2006876263"/>
+                <p14:modId xmlns="" xmlns:p14="http://schemas.microsoft.com/office/powerpoint/2010/main" val="2006876263"/>
               </p:ext>
             </p:extLst>
           </p:nvPr>
@@ -10987,7 +10987,7 @@
     </p:spTree>
     <p:extLst>
       <p:ext uri="{BB962C8B-B14F-4D97-AF65-F5344CB8AC3E}">
-        <p14:creationId xmlns:p14="http://schemas.microsoft.com/office/powerpoint/2010/main" xmlns="" val="1461960061"/>
+        <p14:creationId xmlns="" xmlns:p14="http://schemas.microsoft.com/office/powerpoint/2010/main" val="1461960061"/>
       </p:ext>
     </p:extLst>
   </p:cSld>
@@ -10995,7 +10995,7 @@
     <a:masterClrMapping/>
   </p:clrMapOvr>
   <mc:AlternateContent xmlns:mc="http://schemas.openxmlformats.org/markup-compatibility/2006">
-    <mc:Choice xmlns:p14="http://schemas.microsoft.com/office/powerpoint/2010/main" xmlns="" Requires="p14">
+    <mc:Choice xmlns="" xmlns:p14="http://schemas.microsoft.com/office/powerpoint/2010/main" Requires="p14">
       <p:transition spd="med" p14:dur="700">
         <p:fade/>
       </p:transition>
@@ -11143,7 +11143,7 @@
     </p:spTree>
     <p:extLst>
       <p:ext uri="{BB962C8B-B14F-4D97-AF65-F5344CB8AC3E}">
-        <p14:creationId xmlns:p14="http://schemas.microsoft.com/office/powerpoint/2010/main" xmlns="" val="1592099835"/>
+        <p14:creationId xmlns="" xmlns:p14="http://schemas.microsoft.com/office/powerpoint/2010/main" val="1592099835"/>
       </p:ext>
     </p:extLst>
   </p:cSld>
@@ -11151,7 +11151,7 @@
     <a:masterClrMapping/>
   </p:clrMapOvr>
   <mc:AlternateContent xmlns:mc="http://schemas.openxmlformats.org/markup-compatibility/2006">
-    <mc:Choice xmlns:p14="http://schemas.microsoft.com/office/powerpoint/2010/main" xmlns="" Requires="p14">
+    <mc:Choice xmlns="" xmlns:p14="http://schemas.microsoft.com/office/powerpoint/2010/main" Requires="p14">
       <p:transition spd="med" p14:dur="700">
         <p:fade/>
       </p:transition>
@@ -11282,7 +11282,7 @@
     </p:spTree>
     <p:extLst>
       <p:ext uri="{BB962C8B-B14F-4D97-AF65-F5344CB8AC3E}">
-        <p14:creationId xmlns:p14="http://schemas.microsoft.com/office/powerpoint/2010/main" xmlns="" val="4179239924"/>
+        <p14:creationId xmlns="" xmlns:p14="http://schemas.microsoft.com/office/powerpoint/2010/main" val="4179239924"/>
       </p:ext>
     </p:extLst>
   </p:cSld>
@@ -11290,7 +11290,7 @@
     <a:masterClrMapping/>
   </p:clrMapOvr>
   <mc:AlternateContent xmlns:mc="http://schemas.openxmlformats.org/markup-compatibility/2006">
-    <mc:Choice xmlns:p14="http://schemas.microsoft.com/office/powerpoint/2010/main" xmlns="" Requires="p14">
+    <mc:Choice xmlns="" xmlns:p14="http://schemas.microsoft.com/office/powerpoint/2010/main" Requires="p14">
       <p:transition spd="med" p14:dur="700">
         <p:fade/>
       </p:transition>
@@ -11387,7 +11387,7 @@
     </p:spTree>
     <p:extLst>
       <p:ext uri="{BB962C8B-B14F-4D97-AF65-F5344CB8AC3E}">
-        <p14:creationId xmlns:p14="http://schemas.microsoft.com/office/powerpoint/2010/main" xmlns="" val="3211312874"/>
+        <p14:creationId xmlns="" xmlns:p14="http://schemas.microsoft.com/office/powerpoint/2010/main" val="3211312874"/>
       </p:ext>
     </p:extLst>
   </p:cSld>
@@ -11395,7 +11395,7 @@
     <a:masterClrMapping/>
   </p:clrMapOvr>
   <mc:AlternateContent xmlns:mc="http://schemas.openxmlformats.org/markup-compatibility/2006">
-    <mc:Choice xmlns:p14="http://schemas.microsoft.com/office/powerpoint/2010/main" xmlns="" Requires="p14">
+    <mc:Choice xmlns="" xmlns:p14="http://schemas.microsoft.com/office/powerpoint/2010/main" Requires="p14">
       <p:transition spd="med" p14:dur="700">
         <p:fade/>
       </p:transition>
@@ -11489,7 +11489,7 @@
             <p:ph idx="1"/>
             <p:extLst>
               <p:ext uri="{D42A27DB-BD31-4B8C-83A1-F6EECF244321}">
-                <p14:modId xmlns:p14="http://schemas.microsoft.com/office/powerpoint/2010/main" xmlns="" val="3569266207"/>
+                <p14:modId xmlns="" xmlns:p14="http://schemas.microsoft.com/office/powerpoint/2010/main" val="3569266207"/>
               </p:ext>
             </p:extLst>
           </p:nvPr>
@@ -12171,7 +12171,7 @@
     </p:spTree>
     <p:extLst>
       <p:ext uri="{BB962C8B-B14F-4D97-AF65-F5344CB8AC3E}">
-        <p14:creationId xmlns:p14="http://schemas.microsoft.com/office/powerpoint/2010/main" xmlns="" val="2690069919"/>
+        <p14:creationId xmlns="" xmlns:p14="http://schemas.microsoft.com/office/powerpoint/2010/main" val="2690069919"/>
       </p:ext>
     </p:extLst>
   </p:cSld>
@@ -12179,7 +12179,7 @@
     <a:masterClrMapping/>
   </p:clrMapOvr>
   <mc:AlternateContent xmlns:mc="http://schemas.openxmlformats.org/markup-compatibility/2006">
-    <mc:Choice xmlns:p14="http://schemas.microsoft.com/office/powerpoint/2010/main" xmlns="" Requires="p14">
+    <mc:Choice xmlns="" xmlns:p14="http://schemas.microsoft.com/office/powerpoint/2010/main" Requires="p14">
       <p:transition spd="med" p14:dur="700">
         <p:fade/>
       </p:transition>
@@ -12298,7 +12298,7 @@
           <a:blip r:embed="rId2">
             <a:extLst>
               <a:ext uri="{28A0092B-C50C-407E-A947-70E740481C1C}">
-                <a14:useLocalDpi xmlns:a14="http://schemas.microsoft.com/office/drawing/2010/main" xmlns="" val="0"/>
+                <a14:useLocalDpi xmlns="" xmlns:a14="http://schemas.microsoft.com/office/drawing/2010/main" val="0"/>
               </a:ext>
             </a:extLst>
           </a:blip>
@@ -12318,7 +12318,7 @@
     </p:spTree>
     <p:extLst>
       <p:ext uri="{BB962C8B-B14F-4D97-AF65-F5344CB8AC3E}">
-        <p14:creationId xmlns:p14="http://schemas.microsoft.com/office/powerpoint/2010/main" xmlns="" val="3043001637"/>
+        <p14:creationId xmlns="" xmlns:p14="http://schemas.microsoft.com/office/powerpoint/2010/main" val="3043001637"/>
       </p:ext>
     </p:extLst>
   </p:cSld>
@@ -12326,7 +12326,7 @@
     <a:masterClrMapping/>
   </p:clrMapOvr>
   <mc:AlternateContent xmlns:mc="http://schemas.openxmlformats.org/markup-compatibility/2006">
-    <mc:Choice xmlns:p14="http://schemas.microsoft.com/office/powerpoint/2010/main" xmlns="" Requires="p14">
+    <mc:Choice xmlns="" xmlns:p14="http://schemas.microsoft.com/office/powerpoint/2010/main" Requires="p14">
       <p:transition spd="med" p14:dur="700">
         <p:fade/>
       </p:transition>
@@ -12432,7 +12432,7 @@
             <p:ph idx="1"/>
             <p:extLst>
               <p:ext uri="{D42A27DB-BD31-4B8C-83A1-F6EECF244321}">
-                <p14:modId xmlns:p14="http://schemas.microsoft.com/office/powerpoint/2010/main" xmlns="" val="3910183719"/>
+                <p14:modId xmlns="" xmlns:p14="http://schemas.microsoft.com/office/powerpoint/2010/main" val="3910183719"/>
               </p:ext>
             </p:extLst>
           </p:nvPr>
@@ -12894,7 +12894,7 @@
     </p:spTree>
     <p:extLst>
       <p:ext uri="{BB962C8B-B14F-4D97-AF65-F5344CB8AC3E}">
-        <p14:creationId xmlns:p14="http://schemas.microsoft.com/office/powerpoint/2010/main" xmlns="" val="2649815173"/>
+        <p14:creationId xmlns="" xmlns:p14="http://schemas.microsoft.com/office/powerpoint/2010/main" val="2649815173"/>
       </p:ext>
     </p:extLst>
   </p:cSld>
@@ -12902,7 +12902,7 @@
     <a:masterClrMapping/>
   </p:clrMapOvr>
   <mc:AlternateContent xmlns:mc="http://schemas.openxmlformats.org/markup-compatibility/2006">
-    <mc:Choice xmlns:p14="http://schemas.microsoft.com/office/powerpoint/2010/main" xmlns="" Requires="p14">
+    <mc:Choice xmlns="" xmlns:p14="http://schemas.microsoft.com/office/powerpoint/2010/main" Requires="p14">
       <p:transition spd="med" p14:dur="700">
         <p:fade/>
       </p:transition>
@@ -12950,31 +12950,21 @@
             <p:ph type="ctrTitle"/>
           </p:nvPr>
         </p:nvSpPr>
-        <p:spPr/>
+        <p:spPr>
+          <a:xfrm>
+            <a:off x="581192" y="990600"/>
+            <a:ext cx="7989752" cy="1219200"/>
+          </a:xfrm>
+        </p:spPr>
         <p:txBody>
           <a:bodyPr/>
           <a:lstStyle/>
           <a:p>
-            <a:endParaRPr lang="en-US"/>
-          </a:p>
-        </p:txBody>
-      </p:sp>
-      <p:sp>
-        <p:nvSpPr>
-          <p:cNvPr id="3" name="Subtitle 2"/>
-          <p:cNvSpPr>
-            <a:spLocks noGrp="1"/>
-          </p:cNvSpPr>
-          <p:nvPr>
-            <p:ph type="subTitle" idx="1"/>
-          </p:nvPr>
-        </p:nvSpPr>
-        <p:spPr/>
-        <p:txBody>
-          <a:bodyPr/>
-          <a:lstStyle/>
-          <a:p>
-            <a:endParaRPr lang="en-US"/>
+            <a:r>
+              <a:rPr lang="en-US" dirty="0" smtClean="0"/>
+              <a:t>Subsystems</a:t>
+            </a:r>
+            <a:endParaRPr lang="en-US" dirty="0"/>
           </a:p>
         </p:txBody>
       </p:sp>
@@ -12996,9 +12986,102 @@
             <a:fld id="{DF28FB93-0A08-4E7D-8E63-9EFA29F1E093}" type="slidenum">
               <a:rPr lang="en-US" smtClean="0"/>
               <a:pPr/>
-              <a:t>‹#›</a:t>
+              <a:t>3</a:t>
             </a:fld>
             <a:endParaRPr lang="en-US" dirty="0"/>
+          </a:p>
+        </p:txBody>
+      </p:sp>
+      <p:sp>
+        <p:nvSpPr>
+          <p:cNvPr id="6" name="TextBox 5"/>
+          <p:cNvSpPr txBox="1"/>
+          <p:nvPr/>
+        </p:nvSpPr>
+        <p:spPr>
+          <a:xfrm>
+            <a:off x="1219200" y="3657600"/>
+            <a:ext cx="5638800" cy="1477328"/>
+          </a:xfrm>
+          <a:prstGeom prst="rect">
+            <a:avLst/>
+          </a:prstGeom>
+          <a:noFill/>
+        </p:spPr>
+        <p:txBody>
+          <a:bodyPr wrap="square" rtlCol="0">
+            <a:spAutoFit/>
+          </a:bodyPr>
+          <a:lstStyle/>
+          <a:p>
+            <a:pPr marL="342900" indent="-342900">
+              <a:buAutoNum type="arabicPeriod"/>
+            </a:pPr>
+            <a:r>
+              <a:rPr lang="en-US" dirty="0" smtClean="0">
+                <a:solidFill>
+                  <a:schemeClr val="bg2"/>
+                </a:solidFill>
+              </a:rPr>
+              <a:t>Database Management</a:t>
+            </a:r>
+          </a:p>
+          <a:p>
+            <a:pPr marL="342900" indent="-342900">
+              <a:buAutoNum type="arabicPeriod"/>
+            </a:pPr>
+            <a:r>
+              <a:rPr lang="en-US" dirty="0" smtClean="0">
+                <a:solidFill>
+                  <a:schemeClr val="bg2"/>
+                </a:solidFill>
+              </a:rPr>
+              <a:t>Search Management</a:t>
+            </a:r>
+          </a:p>
+          <a:p>
+            <a:pPr marL="342900" indent="-342900">
+              <a:buAutoNum type="arabicPeriod"/>
+            </a:pPr>
+            <a:r>
+              <a:rPr lang="en-US" dirty="0" smtClean="0">
+                <a:solidFill>
+                  <a:schemeClr val="bg2"/>
+                </a:solidFill>
+              </a:rPr>
+              <a:t>Meeting Management</a:t>
+            </a:r>
+          </a:p>
+          <a:p>
+            <a:pPr marL="342900" indent="-342900">
+              <a:buAutoNum type="arabicPeriod"/>
+            </a:pPr>
+            <a:r>
+              <a:rPr lang="en-US" dirty="0" smtClean="0">
+                <a:solidFill>
+                  <a:schemeClr val="bg2"/>
+                </a:solidFill>
+              </a:rPr>
+              <a:t>Notification Management</a:t>
+            </a:r>
+          </a:p>
+          <a:p>
+            <a:pPr marL="342900" indent="-342900">
+              <a:buAutoNum type="arabicPeriod"/>
+            </a:pPr>
+            <a:r>
+              <a:rPr lang="en-US" dirty="0" smtClean="0">
+                <a:solidFill>
+                  <a:schemeClr val="bg2"/>
+                </a:solidFill>
+              </a:rPr>
+              <a:t>Requisition Automated Form </a:t>
+            </a:r>
+            <a:endParaRPr lang="en-US" dirty="0">
+              <a:solidFill>
+                <a:schemeClr val="bg2"/>
+              </a:solidFill>
+            </a:endParaRPr>
           </a:p>
         </p:txBody>
       </p:sp>
@@ -13008,7 +13091,7 @@
     <a:masterClrMapping/>
   </p:clrMapOvr>
   <mc:AlternateContent xmlns:mc="http://schemas.openxmlformats.org/markup-compatibility/2006">
-    <mc:Choice xmlns:p14="http://schemas.microsoft.com/office/powerpoint/2010/main" xmlns="" Requires="p14">
+    <mc:Choice xmlns="" xmlns:p14="http://schemas.microsoft.com/office/powerpoint/2010/main" Requires="p14">
       <p:transition spd="med" p14:dur="700">
         <p:fade/>
       </p:transition>
@@ -13096,7 +13179,7 @@
             <p:ph idx="1"/>
             <p:extLst>
               <p:ext uri="{D42A27DB-BD31-4B8C-83A1-F6EECF244321}">
-                <p14:modId xmlns:p14="http://schemas.microsoft.com/office/powerpoint/2010/main" xmlns="" val="2410785406"/>
+                <p14:modId xmlns="" xmlns:p14="http://schemas.microsoft.com/office/powerpoint/2010/main" val="2410785406"/>
               </p:ext>
             </p:extLst>
           </p:nvPr>
@@ -13473,7 +13556,7 @@
     </p:spTree>
     <p:extLst>
       <p:ext uri="{BB962C8B-B14F-4D97-AF65-F5344CB8AC3E}">
-        <p14:creationId xmlns:p14="http://schemas.microsoft.com/office/powerpoint/2010/main" xmlns="" val="335723823"/>
+        <p14:creationId xmlns="" xmlns:p14="http://schemas.microsoft.com/office/powerpoint/2010/main" val="335723823"/>
       </p:ext>
     </p:extLst>
   </p:cSld>
@@ -13481,7 +13564,7 @@
     <a:masterClrMapping/>
   </p:clrMapOvr>
   <mc:AlternateContent xmlns:mc="http://schemas.openxmlformats.org/markup-compatibility/2006">
-    <mc:Choice xmlns:p14="http://schemas.microsoft.com/office/powerpoint/2010/main" xmlns="" Requires="p14">
+    <mc:Choice xmlns="" xmlns:p14="http://schemas.microsoft.com/office/powerpoint/2010/main" Requires="p14">
       <p:transition spd="med" p14:dur="700">
         <p:fade/>
       </p:transition>
@@ -13771,7 +13854,7 @@
     </p:spTree>
     <p:extLst>
       <p:ext uri="{BB962C8B-B14F-4D97-AF65-F5344CB8AC3E}">
-        <p14:creationId xmlns:p14="http://schemas.microsoft.com/office/powerpoint/2010/main" xmlns="" val="512439199"/>
+        <p14:creationId xmlns="" xmlns:p14="http://schemas.microsoft.com/office/powerpoint/2010/main" val="512439199"/>
       </p:ext>
     </p:extLst>
   </p:cSld>
@@ -13779,7 +13862,7 @@
     <a:masterClrMapping/>
   </p:clrMapOvr>
   <mc:AlternateContent xmlns:mc="http://schemas.openxmlformats.org/markup-compatibility/2006">
-    <mc:Choice xmlns:p14="http://schemas.microsoft.com/office/powerpoint/2010/main" xmlns="" Requires="p14">
+    <mc:Choice xmlns="" xmlns:p14="http://schemas.microsoft.com/office/powerpoint/2010/main" Requires="p14">
       <p:transition spd="med" p14:dur="700">
         <p:fade/>
       </p:transition>
@@ -13903,7 +13986,7 @@
             <p:ph idx="1"/>
             <p:extLst>
               <p:ext uri="{D42A27DB-BD31-4B8C-83A1-F6EECF244321}">
-                <p14:modId xmlns:p14="http://schemas.microsoft.com/office/powerpoint/2010/main" xmlns="" val="1471840355"/>
+                <p14:modId xmlns="" xmlns:p14="http://schemas.microsoft.com/office/powerpoint/2010/main" val="1471840355"/>
               </p:ext>
             </p:extLst>
           </p:nvPr>
@@ -14311,7 +14394,7 @@
     </p:spTree>
     <p:extLst>
       <p:ext uri="{BB962C8B-B14F-4D97-AF65-F5344CB8AC3E}">
-        <p14:creationId xmlns:p14="http://schemas.microsoft.com/office/powerpoint/2010/main" xmlns="" val="3459224964"/>
+        <p14:creationId xmlns="" xmlns:p14="http://schemas.microsoft.com/office/powerpoint/2010/main" val="3459224964"/>
       </p:ext>
     </p:extLst>
   </p:cSld>
@@ -14319,7 +14402,7 @@
     <a:masterClrMapping/>
   </p:clrMapOvr>
   <mc:AlternateContent xmlns:mc="http://schemas.openxmlformats.org/markup-compatibility/2006">
-    <mc:Choice xmlns:p14="http://schemas.microsoft.com/office/powerpoint/2010/main" xmlns="" Requires="p14">
+    <mc:Choice xmlns="" xmlns:p14="http://schemas.microsoft.com/office/powerpoint/2010/main" Requires="p14">
       <p:transition spd="med" p14:dur="700">
         <p:fade/>
       </p:transition>
@@ -14414,7 +14497,7 @@
             <p:ph idx="1"/>
             <p:extLst>
               <p:ext uri="{D42A27DB-BD31-4B8C-83A1-F6EECF244321}">
-                <p14:modId xmlns:p14="http://schemas.microsoft.com/office/powerpoint/2010/main" xmlns="" val="3571175973"/>
+                <p14:modId xmlns="" xmlns:p14="http://schemas.microsoft.com/office/powerpoint/2010/main" val="3571175973"/>
               </p:ext>
             </p:extLst>
           </p:nvPr>
@@ -14714,7 +14797,7 @@
     </p:spTree>
     <p:extLst>
       <p:ext uri="{BB962C8B-B14F-4D97-AF65-F5344CB8AC3E}">
-        <p14:creationId xmlns:p14="http://schemas.microsoft.com/office/powerpoint/2010/main" xmlns="" val="3237880474"/>
+        <p14:creationId xmlns="" xmlns:p14="http://schemas.microsoft.com/office/powerpoint/2010/main" val="3237880474"/>
       </p:ext>
     </p:extLst>
   </p:cSld>
@@ -14722,7 +14805,7 @@
     <a:masterClrMapping/>
   </p:clrMapOvr>
   <mc:AlternateContent xmlns:mc="http://schemas.openxmlformats.org/markup-compatibility/2006">
-    <mc:Choice xmlns:p14="http://schemas.microsoft.com/office/powerpoint/2010/main" xmlns="" Requires="p14">
+    <mc:Choice xmlns="" xmlns:p14="http://schemas.microsoft.com/office/powerpoint/2010/main" Requires="p14">
       <p:transition spd="med" p14:dur="700">
         <p:fade/>
       </p:transition>
@@ -15025,7 +15108,7 @@
     </p:spTree>
     <p:extLst>
       <p:ext uri="{BB962C8B-B14F-4D97-AF65-F5344CB8AC3E}">
-        <p14:creationId xmlns:p14="http://schemas.microsoft.com/office/powerpoint/2010/main" xmlns="" val="2821030749"/>
+        <p14:creationId xmlns="" xmlns:p14="http://schemas.microsoft.com/office/powerpoint/2010/main" val="2821030749"/>
       </p:ext>
     </p:extLst>
   </p:cSld>
@@ -15033,7 +15116,7 @@
     <a:masterClrMapping/>
   </p:clrMapOvr>
   <mc:AlternateContent xmlns:mc="http://schemas.openxmlformats.org/markup-compatibility/2006">
-    <mc:Choice xmlns:p14="http://schemas.microsoft.com/office/powerpoint/2010/main" xmlns="" Requires="p14">
+    <mc:Choice xmlns="" xmlns:p14="http://schemas.microsoft.com/office/powerpoint/2010/main" Requires="p14">
       <p:transition spd="med" p14:dur="700">
         <p:fade/>
       </p:transition>
@@ -15169,7 +15252,7 @@
             <p:ph idx="1"/>
             <p:extLst>
               <p:ext uri="{D42A27DB-BD31-4B8C-83A1-F6EECF244321}">
-                <p14:modId xmlns:p14="http://schemas.microsoft.com/office/powerpoint/2010/main" xmlns="" val="1979219814"/>
+                <p14:modId xmlns="" xmlns:p14="http://schemas.microsoft.com/office/powerpoint/2010/main" val="1979219814"/>
               </p:ext>
             </p:extLst>
           </p:nvPr>
@@ -15601,7 +15684,7 @@
     </p:spTree>
     <p:extLst>
       <p:ext uri="{BB962C8B-B14F-4D97-AF65-F5344CB8AC3E}">
-        <p14:creationId xmlns:p14="http://schemas.microsoft.com/office/powerpoint/2010/main" xmlns="" val="128306300"/>
+        <p14:creationId xmlns="" xmlns:p14="http://schemas.microsoft.com/office/powerpoint/2010/main" val="128306300"/>
       </p:ext>
     </p:extLst>
   </p:cSld>
@@ -15609,7 +15692,7 @@
     <a:masterClrMapping/>
   </p:clrMapOvr>
   <mc:AlternateContent xmlns:mc="http://schemas.openxmlformats.org/markup-compatibility/2006">
-    <mc:Choice xmlns:p14="http://schemas.microsoft.com/office/powerpoint/2010/main" xmlns="" Requires="p14">
+    <mc:Choice xmlns="" xmlns:p14="http://schemas.microsoft.com/office/powerpoint/2010/main" Requires="p14">
       <p:transition spd="med" p14:dur="700">
         <p:fade/>
       </p:transition>
@@ -15711,7 +15794,7 @@
             <p:ph idx="1"/>
             <p:extLst>
               <p:ext uri="{D42A27DB-BD31-4B8C-83A1-F6EECF244321}">
-                <p14:modId xmlns:p14="http://schemas.microsoft.com/office/powerpoint/2010/main" xmlns="" val="76584755"/>
+                <p14:modId xmlns="" xmlns:p14="http://schemas.microsoft.com/office/powerpoint/2010/main" val="76584755"/>
               </p:ext>
             </p:extLst>
           </p:nvPr>
@@ -16016,7 +16099,7 @@
     </p:spTree>
     <p:extLst>
       <p:ext uri="{BB962C8B-B14F-4D97-AF65-F5344CB8AC3E}">
-        <p14:creationId xmlns:p14="http://schemas.microsoft.com/office/powerpoint/2010/main" xmlns="" val="2030726134"/>
+        <p14:creationId xmlns="" xmlns:p14="http://schemas.microsoft.com/office/powerpoint/2010/main" val="2030726134"/>
       </p:ext>
     </p:extLst>
   </p:cSld>
@@ -16024,7 +16107,7 @@
     <a:masterClrMapping/>
   </p:clrMapOvr>
   <mc:AlternateContent xmlns:mc="http://schemas.openxmlformats.org/markup-compatibility/2006">
-    <mc:Choice xmlns:p14="http://schemas.microsoft.com/office/powerpoint/2010/main" xmlns="" Requires="p14">
+    <mc:Choice xmlns="" xmlns:p14="http://schemas.microsoft.com/office/powerpoint/2010/main" Requires="p14">
       <p:transition spd="med" p14:dur="700">
         <p:fade/>
       </p:transition>
@@ -16297,7 +16380,7 @@
     </p:spTree>
     <p:extLst>
       <p:ext uri="{BB962C8B-B14F-4D97-AF65-F5344CB8AC3E}">
-        <p14:creationId xmlns:p14="http://schemas.microsoft.com/office/powerpoint/2010/main" xmlns="" val="3485491918"/>
+        <p14:creationId xmlns="" xmlns:p14="http://schemas.microsoft.com/office/powerpoint/2010/main" val="3485491918"/>
       </p:ext>
     </p:extLst>
   </p:cSld>
@@ -16305,7 +16388,7 @@
     <a:masterClrMapping/>
   </p:clrMapOvr>
   <mc:AlternateContent xmlns:mc="http://schemas.openxmlformats.org/markup-compatibility/2006">
-    <mc:Choice xmlns:p14="http://schemas.microsoft.com/office/powerpoint/2010/main" xmlns="" Requires="p14">
+    <mc:Choice xmlns="" xmlns:p14="http://schemas.microsoft.com/office/powerpoint/2010/main" Requires="p14">
       <p:transition spd="med" p14:dur="700">
         <p:fade/>
       </p:transition>
@@ -16397,7 +16480,7 @@
             <p:ph idx="1"/>
             <p:extLst>
               <p:ext uri="{D42A27DB-BD31-4B8C-83A1-F6EECF244321}">
-                <p14:modId xmlns:p14="http://schemas.microsoft.com/office/powerpoint/2010/main" xmlns="" val="351060939"/>
+                <p14:modId xmlns="" xmlns:p14="http://schemas.microsoft.com/office/powerpoint/2010/main" val="351060939"/>
               </p:ext>
             </p:extLst>
           </p:nvPr>
@@ -16795,7 +16878,7 @@
     </p:spTree>
     <p:extLst>
       <p:ext uri="{BB962C8B-B14F-4D97-AF65-F5344CB8AC3E}">
-        <p14:creationId xmlns:p14="http://schemas.microsoft.com/office/powerpoint/2010/main" xmlns="" val="842262524"/>
+        <p14:creationId xmlns="" xmlns:p14="http://schemas.microsoft.com/office/powerpoint/2010/main" val="842262524"/>
       </p:ext>
     </p:extLst>
   </p:cSld>
@@ -16803,7 +16886,7 @@
     <a:masterClrMapping/>
   </p:clrMapOvr>
   <mc:AlternateContent xmlns:mc="http://schemas.openxmlformats.org/markup-compatibility/2006">
-    <mc:Choice xmlns:p14="http://schemas.microsoft.com/office/powerpoint/2010/main" xmlns="" Requires="p14">
+    <mc:Choice xmlns="" xmlns:p14="http://schemas.microsoft.com/office/powerpoint/2010/main" Requires="p14">
       <p:transition spd="med" p14:dur="700">
         <p:fade/>
       </p:transition>
@@ -16898,7 +16981,7 @@
             <p:ph idx="1"/>
             <p:extLst>
               <p:ext uri="{D42A27DB-BD31-4B8C-83A1-F6EECF244321}">
-                <p14:modId xmlns:p14="http://schemas.microsoft.com/office/powerpoint/2010/main" xmlns="" val="2489566488"/>
+                <p14:modId xmlns="" xmlns:p14="http://schemas.microsoft.com/office/powerpoint/2010/main" val="2489566488"/>
               </p:ext>
             </p:extLst>
           </p:nvPr>
@@ -17081,7 +17164,7 @@
     </p:spTree>
     <p:extLst>
       <p:ext uri="{BB962C8B-B14F-4D97-AF65-F5344CB8AC3E}">
-        <p14:creationId xmlns:p14="http://schemas.microsoft.com/office/powerpoint/2010/main" xmlns="" val="152880415"/>
+        <p14:creationId xmlns="" xmlns:p14="http://schemas.microsoft.com/office/powerpoint/2010/main" val="152880415"/>
       </p:ext>
     </p:extLst>
   </p:cSld>
@@ -17089,7 +17172,7 @@
     <a:masterClrMapping/>
   </p:clrMapOvr>
   <mc:AlternateContent xmlns:mc="http://schemas.openxmlformats.org/markup-compatibility/2006">
-    <mc:Choice xmlns:p14="http://schemas.microsoft.com/office/powerpoint/2010/main" xmlns="" Requires="p14">
+    <mc:Choice xmlns="" xmlns:p14="http://schemas.microsoft.com/office/powerpoint/2010/main" Requires="p14">
       <p:transition spd="med" p14:dur="700">
         <p:fade/>
       </p:transition>
@@ -17304,7 +17387,7 @@
     </p:spTree>
     <p:extLst>
       <p:ext uri="{BB962C8B-B14F-4D97-AF65-F5344CB8AC3E}">
-        <p14:creationId xmlns:p14="http://schemas.microsoft.com/office/powerpoint/2010/main" xmlns="" val="70611033"/>
+        <p14:creationId xmlns="" xmlns:p14="http://schemas.microsoft.com/office/powerpoint/2010/main" val="70611033"/>
       </p:ext>
     </p:extLst>
   </p:cSld>
@@ -17312,7 +17395,7 @@
     <a:masterClrMapping/>
   </p:clrMapOvr>
   <mc:AlternateContent xmlns:mc="http://schemas.openxmlformats.org/markup-compatibility/2006">
-    <mc:Choice xmlns:p14="http://schemas.microsoft.com/office/powerpoint/2010/main" xmlns="" Requires="p14">
+    <mc:Choice xmlns="" xmlns:p14="http://schemas.microsoft.com/office/powerpoint/2010/main" Requires="p14">
       <p:transition spd="med" p14:dur="700">
         <p:fade/>
       </p:transition>
@@ -17622,7 +17705,7 @@
     </p:spTree>
     <p:extLst>
       <p:ext uri="{BB962C8B-B14F-4D97-AF65-F5344CB8AC3E}">
-        <p14:creationId xmlns:p14="http://schemas.microsoft.com/office/powerpoint/2010/main" xmlns="" val="4122211197"/>
+        <p14:creationId xmlns="" xmlns:p14="http://schemas.microsoft.com/office/powerpoint/2010/main" val="4122211197"/>
       </p:ext>
     </p:extLst>
   </p:cSld>
@@ -17630,7 +17713,7 @@
     <a:masterClrMapping/>
   </p:clrMapOvr>
   <mc:AlternateContent xmlns:mc="http://schemas.openxmlformats.org/markup-compatibility/2006">
-    <mc:Choice xmlns:p14="http://schemas.microsoft.com/office/powerpoint/2010/main" xmlns="" Requires="p14">
+    <mc:Choice xmlns="" xmlns:p14="http://schemas.microsoft.com/office/powerpoint/2010/main" Requires="p14">
       <p:transition spd="med" p14:dur="700">
         <p:fade/>
       </p:transition>
@@ -17757,7 +17840,7 @@
           <p:nvPr>
             <p:extLst>
               <p:ext uri="{D42A27DB-BD31-4B8C-83A1-F6EECF244321}">
-                <p14:modId xmlns:p14="http://schemas.microsoft.com/office/powerpoint/2010/main" xmlns="" val="2477339046"/>
+                <p14:modId xmlns="" xmlns:p14="http://schemas.microsoft.com/office/powerpoint/2010/main" val="2477339046"/>
               </p:ext>
             </p:extLst>
           </p:nvPr>
@@ -18539,7 +18622,7 @@
     </p:spTree>
     <p:extLst>
       <p:ext uri="{BB962C8B-B14F-4D97-AF65-F5344CB8AC3E}">
-        <p14:creationId xmlns:p14="http://schemas.microsoft.com/office/powerpoint/2010/main" xmlns="" val="1318053744"/>
+        <p14:creationId xmlns="" xmlns:p14="http://schemas.microsoft.com/office/powerpoint/2010/main" val="1318053744"/>
       </p:ext>
     </p:extLst>
   </p:cSld>
@@ -18547,7 +18630,7 @@
     <a:masterClrMapping/>
   </p:clrMapOvr>
   <mc:AlternateContent xmlns:mc="http://schemas.openxmlformats.org/markup-compatibility/2006">
-    <mc:Choice xmlns:p14="http://schemas.microsoft.com/office/powerpoint/2010/main" xmlns="" Requires="p14">
+    <mc:Choice xmlns="" xmlns:p14="http://schemas.microsoft.com/office/powerpoint/2010/main" Requires="p14">
       <p:transition spd="med" p14:dur="700">
         <p:fade/>
       </p:transition>
@@ -18672,7 +18755,7 @@
           <a:blip r:embed="rId2">
             <a:extLst>
               <a:ext uri="{28A0092B-C50C-407E-A947-70E740481C1C}">
-                <a14:useLocalDpi xmlns:a14="http://schemas.microsoft.com/office/drawing/2010/main" xmlns="" val="0"/>
+                <a14:useLocalDpi xmlns="" xmlns:a14="http://schemas.microsoft.com/office/drawing/2010/main" val="0"/>
               </a:ext>
             </a:extLst>
           </a:blip>
@@ -18692,7 +18775,7 @@
     </p:spTree>
     <p:extLst>
       <p:ext uri="{BB962C8B-B14F-4D97-AF65-F5344CB8AC3E}">
-        <p14:creationId xmlns:p14="http://schemas.microsoft.com/office/powerpoint/2010/main" xmlns="" val="2903793906"/>
+        <p14:creationId xmlns="" xmlns:p14="http://schemas.microsoft.com/office/powerpoint/2010/main" val="2903793906"/>
       </p:ext>
     </p:extLst>
   </p:cSld>
@@ -18700,7 +18783,7 @@
     <a:masterClrMapping/>
   </p:clrMapOvr>
   <mc:AlternateContent xmlns:mc="http://schemas.openxmlformats.org/markup-compatibility/2006">
-    <mc:Choice xmlns:p14="http://schemas.microsoft.com/office/powerpoint/2010/main" xmlns="" Requires="p14">
+    <mc:Choice xmlns="" xmlns:p14="http://schemas.microsoft.com/office/powerpoint/2010/main" Requires="p14">
       <p:transition spd="med" p14:dur="700">
         <p:fade/>
       </p:transition>
@@ -18785,7 +18868,7 @@
             <p:ph idx="1"/>
             <p:extLst>
               <p:ext uri="{D42A27DB-BD31-4B8C-83A1-F6EECF244321}">
-                <p14:modId xmlns:p14="http://schemas.microsoft.com/office/powerpoint/2010/main" xmlns="" val="2731416650"/>
+                <p14:modId xmlns="" xmlns:p14="http://schemas.microsoft.com/office/powerpoint/2010/main" val="2731416650"/>
               </p:ext>
             </p:extLst>
           </p:nvPr>
@@ -19147,7 +19230,7 @@
     </p:spTree>
     <p:extLst>
       <p:ext uri="{BB962C8B-B14F-4D97-AF65-F5344CB8AC3E}">
-        <p14:creationId xmlns:p14="http://schemas.microsoft.com/office/powerpoint/2010/main" xmlns="" val="2815011777"/>
+        <p14:creationId xmlns="" xmlns:p14="http://schemas.microsoft.com/office/powerpoint/2010/main" val="2815011777"/>
       </p:ext>
     </p:extLst>
   </p:cSld>
@@ -19155,7 +19238,7 @@
     <a:masterClrMapping/>
   </p:clrMapOvr>
   <mc:AlternateContent xmlns:mc="http://schemas.openxmlformats.org/markup-compatibility/2006">
-    <mc:Choice xmlns:p14="http://schemas.microsoft.com/office/powerpoint/2010/main" xmlns="" Requires="p14">
+    <mc:Choice xmlns="" xmlns:p14="http://schemas.microsoft.com/office/powerpoint/2010/main" Requires="p14">
       <p:transition spd="med" p14:dur="700">
         <p:fade/>
       </p:transition>
@@ -19240,7 +19323,7 @@
             <p:ph idx="1"/>
             <p:extLst>
               <p:ext uri="{D42A27DB-BD31-4B8C-83A1-F6EECF244321}">
-                <p14:modId xmlns:p14="http://schemas.microsoft.com/office/powerpoint/2010/main" xmlns="" val="1937491673"/>
+                <p14:modId xmlns="" xmlns:p14="http://schemas.microsoft.com/office/powerpoint/2010/main" val="1937491673"/>
               </p:ext>
             </p:extLst>
           </p:nvPr>
@@ -19462,7 +19545,7 @@
     </p:spTree>
     <p:extLst>
       <p:ext uri="{BB962C8B-B14F-4D97-AF65-F5344CB8AC3E}">
-        <p14:creationId xmlns:p14="http://schemas.microsoft.com/office/powerpoint/2010/main" xmlns="" val="89020841"/>
+        <p14:creationId xmlns="" xmlns:p14="http://schemas.microsoft.com/office/powerpoint/2010/main" val="89020841"/>
       </p:ext>
     </p:extLst>
   </p:cSld>
@@ -19470,7 +19553,7 @@
     <a:masterClrMapping/>
   </p:clrMapOvr>
   <mc:AlternateContent xmlns:mc="http://schemas.openxmlformats.org/markup-compatibility/2006">
-    <mc:Choice xmlns:p14="http://schemas.microsoft.com/office/powerpoint/2010/main" xmlns="" Requires="p14">
+    <mc:Choice xmlns="" xmlns:p14="http://schemas.microsoft.com/office/powerpoint/2010/main" Requires="p14">
       <p:transition spd="med" p14:dur="700">
         <p:fade/>
       </p:transition>
@@ -19623,7 +19706,7 @@
     </p:spTree>
     <p:extLst>
       <p:ext uri="{BB962C8B-B14F-4D97-AF65-F5344CB8AC3E}">
-        <p14:creationId xmlns:p14="http://schemas.microsoft.com/office/powerpoint/2010/main" xmlns="" val="3696952974"/>
+        <p14:creationId xmlns="" xmlns:p14="http://schemas.microsoft.com/office/powerpoint/2010/main" val="3696952974"/>
       </p:ext>
     </p:extLst>
   </p:cSld>
@@ -19631,7 +19714,7 @@
     <a:masterClrMapping/>
   </p:clrMapOvr>
   <mc:AlternateContent xmlns:mc="http://schemas.openxmlformats.org/markup-compatibility/2006">
-    <mc:Choice xmlns:p14="http://schemas.microsoft.com/office/powerpoint/2010/main" xmlns="" Requires="p14">
+    <mc:Choice xmlns="" xmlns:p14="http://schemas.microsoft.com/office/powerpoint/2010/main" Requires="p14">
       <p:transition spd="med" p14:dur="700">
         <p:fade/>
       </p:transition>
@@ -19740,7 +19823,7 @@
             <p:ph idx="1"/>
             <p:extLst>
               <p:ext uri="{D42A27DB-BD31-4B8C-83A1-F6EECF244321}">
-                <p14:modId xmlns:p14="http://schemas.microsoft.com/office/powerpoint/2010/main" xmlns="" val="1160365719"/>
+                <p14:modId xmlns="" xmlns:p14="http://schemas.microsoft.com/office/powerpoint/2010/main" val="1160365719"/>
               </p:ext>
             </p:extLst>
           </p:nvPr>
@@ -20128,7 +20211,7 @@
     </p:spTree>
     <p:extLst>
       <p:ext uri="{BB962C8B-B14F-4D97-AF65-F5344CB8AC3E}">
-        <p14:creationId xmlns:p14="http://schemas.microsoft.com/office/powerpoint/2010/main" xmlns="" val="3631312344"/>
+        <p14:creationId xmlns="" xmlns:p14="http://schemas.microsoft.com/office/powerpoint/2010/main" val="3631312344"/>
       </p:ext>
     </p:extLst>
   </p:cSld>
@@ -20136,7 +20219,7 @@
     <a:masterClrMapping/>
   </p:clrMapOvr>
   <mc:AlternateContent xmlns:mc="http://schemas.openxmlformats.org/markup-compatibility/2006">
-    <mc:Choice xmlns:p14="http://schemas.microsoft.com/office/powerpoint/2010/main" xmlns="" Requires="p14">
+    <mc:Choice xmlns="" xmlns:p14="http://schemas.microsoft.com/office/powerpoint/2010/main" Requires="p14">
       <p:transition spd="med" p14:dur="700">
         <p:fade/>
       </p:transition>
@@ -20183,7 +20266,7 @@
           <p:nvPr>
             <p:extLst>
               <p:ext uri="{D42A27DB-BD31-4B8C-83A1-F6EECF244321}">
-                <p14:modId xmlns:p14="http://schemas.microsoft.com/office/powerpoint/2010/main" xmlns="" val="2071207013"/>
+                <p14:modId xmlns="" xmlns:p14="http://schemas.microsoft.com/office/powerpoint/2010/main" val="2071207013"/>
               </p:ext>
             </p:extLst>
           </p:nvPr>
@@ -20476,7 +20559,7 @@
     </p:spTree>
     <p:extLst>
       <p:ext uri="{BB962C8B-B14F-4D97-AF65-F5344CB8AC3E}">
-        <p14:creationId xmlns:p14="http://schemas.microsoft.com/office/powerpoint/2010/main" xmlns="" val="3260708582"/>
+        <p14:creationId xmlns="" xmlns:p14="http://schemas.microsoft.com/office/powerpoint/2010/main" val="3260708582"/>
       </p:ext>
     </p:extLst>
   </p:cSld>
@@ -20484,7 +20567,7 @@
     <a:masterClrMapping/>
   </p:clrMapOvr>
   <mc:AlternateContent xmlns:mc="http://schemas.openxmlformats.org/markup-compatibility/2006">
-    <mc:Choice xmlns:p14="http://schemas.microsoft.com/office/powerpoint/2010/main" xmlns="" Requires="p14">
+    <mc:Choice xmlns="" xmlns:p14="http://schemas.microsoft.com/office/powerpoint/2010/main" Requires="p14">
       <p:transition spd="med" p14:dur="700">
         <p:fade/>
       </p:transition>
@@ -20658,7 +20741,7 @@
     </p:spTree>
     <p:extLst>
       <p:ext uri="{BB962C8B-B14F-4D97-AF65-F5344CB8AC3E}">
-        <p14:creationId xmlns:p14="http://schemas.microsoft.com/office/powerpoint/2010/main" xmlns="" val="2150014928"/>
+        <p14:creationId xmlns="" xmlns:p14="http://schemas.microsoft.com/office/powerpoint/2010/main" val="2150014928"/>
       </p:ext>
     </p:extLst>
   </p:cSld>
@@ -20666,7 +20749,7 @@
     <a:masterClrMapping/>
   </p:clrMapOvr>
   <mc:AlternateContent xmlns:mc="http://schemas.openxmlformats.org/markup-compatibility/2006">
-    <mc:Choice xmlns:p14="http://schemas.microsoft.com/office/powerpoint/2010/main" xmlns="" Requires="p14">
+    <mc:Choice xmlns="" xmlns:p14="http://schemas.microsoft.com/office/powerpoint/2010/main" Requires="p14">
       <p:transition spd="med" p14:dur="700">
         <p:fade/>
       </p:transition>
@@ -20757,7 +20840,7 @@
             <p:ph idx="1"/>
             <p:extLst>
               <p:ext uri="{D42A27DB-BD31-4B8C-83A1-F6EECF244321}">
-                <p14:modId xmlns:p14="http://schemas.microsoft.com/office/powerpoint/2010/main" xmlns="" val="4278442596"/>
+                <p14:modId xmlns="" xmlns:p14="http://schemas.microsoft.com/office/powerpoint/2010/main" val="4278442596"/>
               </p:ext>
             </p:extLst>
           </p:nvPr>
@@ -21209,7 +21292,7 @@
     </p:spTree>
     <p:extLst>
       <p:ext uri="{BB962C8B-B14F-4D97-AF65-F5344CB8AC3E}">
-        <p14:creationId xmlns:p14="http://schemas.microsoft.com/office/powerpoint/2010/main" xmlns="" val="1489517321"/>
+        <p14:creationId xmlns="" xmlns:p14="http://schemas.microsoft.com/office/powerpoint/2010/main" val="1489517321"/>
       </p:ext>
     </p:extLst>
   </p:cSld>
@@ -21217,7 +21300,7 @@
     <a:masterClrMapping/>
   </p:clrMapOvr>
   <mc:AlternateContent xmlns:mc="http://schemas.openxmlformats.org/markup-compatibility/2006">
-    <mc:Choice xmlns:p14="http://schemas.microsoft.com/office/powerpoint/2010/main" xmlns="" Requires="p14">
+    <mc:Choice xmlns="" xmlns:p14="http://schemas.microsoft.com/office/powerpoint/2010/main" Requires="p14">
       <p:transition spd="med" p14:dur="700">
         <p:fade/>
       </p:transition>
@@ -21298,7 +21381,7 @@
             <p:ph idx="1"/>
             <p:extLst>
               <p:ext uri="{D42A27DB-BD31-4B8C-83A1-F6EECF244321}">
-                <p14:modId xmlns:p14="http://schemas.microsoft.com/office/powerpoint/2010/main" xmlns="" val="3893757192"/>
+                <p14:modId xmlns="" xmlns:p14="http://schemas.microsoft.com/office/powerpoint/2010/main" val="3893757192"/>
               </p:ext>
             </p:extLst>
           </p:nvPr>
@@ -22019,7 +22102,7 @@
     </p:spTree>
     <p:extLst>
       <p:ext uri="{BB962C8B-B14F-4D97-AF65-F5344CB8AC3E}">
-        <p14:creationId xmlns:p14="http://schemas.microsoft.com/office/powerpoint/2010/main" xmlns="" val="1016464805"/>
+        <p14:creationId xmlns="" xmlns:p14="http://schemas.microsoft.com/office/powerpoint/2010/main" val="1016464805"/>
       </p:ext>
     </p:extLst>
   </p:cSld>
@@ -22027,7 +22110,7 @@
     <a:masterClrMapping/>
   </p:clrMapOvr>
   <mc:AlternateContent xmlns:mc="http://schemas.openxmlformats.org/markup-compatibility/2006">
-    <mc:Choice xmlns:p14="http://schemas.microsoft.com/office/powerpoint/2010/main" xmlns="" Requires="p14">
+    <mc:Choice xmlns="" xmlns:p14="http://schemas.microsoft.com/office/powerpoint/2010/main" Requires="p14">
       <p:transition spd="med" p14:dur="700">
         <p:fade/>
       </p:transition>
@@ -22205,7 +22288,7 @@
     </p:spTree>
     <p:extLst>
       <p:ext uri="{BB962C8B-B14F-4D97-AF65-F5344CB8AC3E}">
-        <p14:creationId xmlns:p14="http://schemas.microsoft.com/office/powerpoint/2010/main" xmlns="" val="1126330113"/>
+        <p14:creationId xmlns="" xmlns:p14="http://schemas.microsoft.com/office/powerpoint/2010/main" val="1126330113"/>
       </p:ext>
     </p:extLst>
   </p:cSld>
@@ -22213,7 +22296,7 @@
     <a:masterClrMapping/>
   </p:clrMapOvr>
   <mc:AlternateContent xmlns:mc="http://schemas.openxmlformats.org/markup-compatibility/2006">
-    <mc:Choice xmlns:p14="http://schemas.microsoft.com/office/powerpoint/2010/main" xmlns="" Requires="p14">
+    <mc:Choice xmlns="" xmlns:p14="http://schemas.microsoft.com/office/powerpoint/2010/main" Requires="p14">
       <p:transition spd="med" p14:dur="700">
         <p:fade/>
       </p:transition>
@@ -22304,7 +22387,7 @@
             <p:ph idx="1"/>
             <p:extLst>
               <p:ext uri="{D42A27DB-BD31-4B8C-83A1-F6EECF244321}">
-                <p14:modId xmlns:p14="http://schemas.microsoft.com/office/powerpoint/2010/main" xmlns="" val="1362663509"/>
+                <p14:modId xmlns="" xmlns:p14="http://schemas.microsoft.com/office/powerpoint/2010/main" val="1362663509"/>
               </p:ext>
             </p:extLst>
           </p:nvPr>
@@ -22708,7 +22791,7 @@
     </p:spTree>
     <p:extLst>
       <p:ext uri="{BB962C8B-B14F-4D97-AF65-F5344CB8AC3E}">
-        <p14:creationId xmlns:p14="http://schemas.microsoft.com/office/powerpoint/2010/main" xmlns="" val="2431453894"/>
+        <p14:creationId xmlns="" xmlns:p14="http://schemas.microsoft.com/office/powerpoint/2010/main" val="2431453894"/>
       </p:ext>
     </p:extLst>
   </p:cSld>
@@ -22716,7 +22799,7 @@
     <a:masterClrMapping/>
   </p:clrMapOvr>
   <mc:AlternateContent xmlns:mc="http://schemas.openxmlformats.org/markup-compatibility/2006">
-    <mc:Choice xmlns:p14="http://schemas.microsoft.com/office/powerpoint/2010/main" xmlns="" Requires="p14">
+    <mc:Choice xmlns="" xmlns:p14="http://schemas.microsoft.com/office/powerpoint/2010/main" Requires="p14">
       <p:transition spd="med" p14:dur="700">
         <p:fade/>
       </p:transition>
@@ -22856,7 +22939,7 @@
     </p:spTree>
     <p:extLst>
       <p:ext uri="{BB962C8B-B14F-4D97-AF65-F5344CB8AC3E}">
-        <p14:creationId xmlns:p14="http://schemas.microsoft.com/office/powerpoint/2010/main" xmlns="" val="3338874823"/>
+        <p14:creationId xmlns="" xmlns:p14="http://schemas.microsoft.com/office/powerpoint/2010/main" val="3338874823"/>
       </p:ext>
     </p:extLst>
   </p:cSld>
@@ -22864,7 +22947,7 @@
     <a:masterClrMapping/>
   </p:clrMapOvr>
   <mc:AlternateContent xmlns:mc="http://schemas.openxmlformats.org/markup-compatibility/2006">
-    <mc:Choice xmlns:p14="http://schemas.microsoft.com/office/powerpoint/2010/main" xmlns="" Requires="p14">
+    <mc:Choice xmlns="" xmlns:p14="http://schemas.microsoft.com/office/powerpoint/2010/main" Requires="p14">
       <p:transition spd="med" p14:dur="700">
         <p:fade/>
       </p:transition>
@@ -22955,7 +23038,7 @@
             <p:ph idx="1"/>
             <p:extLst>
               <p:ext uri="{D42A27DB-BD31-4B8C-83A1-F6EECF244321}">
-                <p14:modId xmlns:p14="http://schemas.microsoft.com/office/powerpoint/2010/main" xmlns="" val="1031411801"/>
+                <p14:modId xmlns="" xmlns:p14="http://schemas.microsoft.com/office/powerpoint/2010/main" val="1031411801"/>
               </p:ext>
             </p:extLst>
           </p:nvPr>
@@ -23400,7 +23483,7 @@
     </p:spTree>
     <p:extLst>
       <p:ext uri="{BB962C8B-B14F-4D97-AF65-F5344CB8AC3E}">
-        <p14:creationId xmlns:p14="http://schemas.microsoft.com/office/powerpoint/2010/main" xmlns="" val="1797633860"/>
+        <p14:creationId xmlns="" xmlns:p14="http://schemas.microsoft.com/office/powerpoint/2010/main" val="1797633860"/>
       </p:ext>
     </p:extLst>
   </p:cSld>
@@ -23408,7 +23491,7 @@
     <a:masterClrMapping/>
   </p:clrMapOvr>
   <mc:AlternateContent xmlns:mc="http://schemas.openxmlformats.org/markup-compatibility/2006">
-    <mc:Choice xmlns:p14="http://schemas.microsoft.com/office/powerpoint/2010/main" xmlns="" Requires="p14">
+    <mc:Choice xmlns="" xmlns:p14="http://schemas.microsoft.com/office/powerpoint/2010/main" Requires="p14">
       <p:transition spd="med" p14:dur="700">
         <p:fade/>
       </p:transition>
@@ -23493,7 +23576,7 @@
             <p:ph idx="1"/>
             <p:extLst>
               <p:ext uri="{D42A27DB-BD31-4B8C-83A1-F6EECF244321}">
-                <p14:modId xmlns:p14="http://schemas.microsoft.com/office/powerpoint/2010/main" xmlns="" val="186107870"/>
+                <p14:modId xmlns="" xmlns:p14="http://schemas.microsoft.com/office/powerpoint/2010/main" val="186107870"/>
               </p:ext>
             </p:extLst>
           </p:nvPr>
@@ -23685,7 +23768,7 @@
     </p:spTree>
     <p:extLst>
       <p:ext uri="{BB962C8B-B14F-4D97-AF65-F5344CB8AC3E}">
-        <p14:creationId xmlns:p14="http://schemas.microsoft.com/office/powerpoint/2010/main" xmlns="" val="3452249043"/>
+        <p14:creationId xmlns="" xmlns:p14="http://schemas.microsoft.com/office/powerpoint/2010/main" val="3452249043"/>
       </p:ext>
     </p:extLst>
   </p:cSld>
@@ -23693,7 +23776,7 @@
     <a:masterClrMapping/>
   </p:clrMapOvr>
   <mc:AlternateContent xmlns:mc="http://schemas.openxmlformats.org/markup-compatibility/2006">
-    <mc:Choice xmlns:p14="http://schemas.microsoft.com/office/powerpoint/2010/main" xmlns="" Requires="p14">
+    <mc:Choice xmlns="" xmlns:p14="http://schemas.microsoft.com/office/powerpoint/2010/main" Requires="p14">
       <p:transition spd="med" p14:dur="700">
         <p:fade/>
       </p:transition>
@@ -23839,7 +23922,7 @@
     </p:spTree>
     <p:extLst>
       <p:ext uri="{BB962C8B-B14F-4D97-AF65-F5344CB8AC3E}">
-        <p14:creationId xmlns:p14="http://schemas.microsoft.com/office/powerpoint/2010/main" xmlns="" val="346406845"/>
+        <p14:creationId xmlns="" xmlns:p14="http://schemas.microsoft.com/office/powerpoint/2010/main" val="346406845"/>
       </p:ext>
     </p:extLst>
   </p:cSld>
@@ -23847,7 +23930,7 @@
     <a:masterClrMapping/>
   </p:clrMapOvr>
   <mc:AlternateContent xmlns:mc="http://schemas.openxmlformats.org/markup-compatibility/2006">
-    <mc:Choice xmlns:p14="http://schemas.microsoft.com/office/powerpoint/2010/main" xmlns="" Requires="p14">
+    <mc:Choice xmlns="" xmlns:p14="http://schemas.microsoft.com/office/powerpoint/2010/main" Requires="p14">
       <p:transition spd="med" p14:dur="700">
         <p:fade/>
       </p:transition>
@@ -23938,7 +24021,7 @@
             <p:ph idx="1"/>
             <p:extLst>
               <p:ext uri="{D42A27DB-BD31-4B8C-83A1-F6EECF244321}">
-                <p14:modId xmlns:p14="http://schemas.microsoft.com/office/powerpoint/2010/main" xmlns="" val="1780633972"/>
+                <p14:modId xmlns="" xmlns:p14="http://schemas.microsoft.com/office/powerpoint/2010/main" val="1780633972"/>
               </p:ext>
             </p:extLst>
           </p:nvPr>
@@ -24342,7 +24425,7 @@
     </p:spTree>
     <p:extLst>
       <p:ext uri="{BB962C8B-B14F-4D97-AF65-F5344CB8AC3E}">
-        <p14:creationId xmlns:p14="http://schemas.microsoft.com/office/powerpoint/2010/main" xmlns="" val="3942456268"/>
+        <p14:creationId xmlns="" xmlns:p14="http://schemas.microsoft.com/office/powerpoint/2010/main" val="3942456268"/>
       </p:ext>
     </p:extLst>
   </p:cSld>
@@ -24350,7 +24433,7 @@
     <a:masterClrMapping/>
   </p:clrMapOvr>
   <mc:AlternateContent xmlns:mc="http://schemas.openxmlformats.org/markup-compatibility/2006">
-    <mc:Choice xmlns:p14="http://schemas.microsoft.com/office/powerpoint/2010/main" xmlns="" Requires="p14">
+    <mc:Choice xmlns="" xmlns:p14="http://schemas.microsoft.com/office/powerpoint/2010/main" Requires="p14">
       <p:transition spd="med" p14:dur="700">
         <p:fade/>
       </p:transition>
@@ -24397,7 +24480,7 @@
           <p:nvPr>
             <p:extLst>
               <p:ext uri="{D42A27DB-BD31-4B8C-83A1-F6EECF244321}">
-                <p14:modId xmlns:p14="http://schemas.microsoft.com/office/powerpoint/2010/main" xmlns="" val="961584469"/>
+                <p14:modId xmlns="" xmlns:p14="http://schemas.microsoft.com/office/powerpoint/2010/main" val="961584469"/>
               </p:ext>
             </p:extLst>
           </p:nvPr>
@@ -24690,7 +24773,7 @@
     </p:spTree>
     <p:extLst>
       <p:ext uri="{BB962C8B-B14F-4D97-AF65-F5344CB8AC3E}">
-        <p14:creationId xmlns:p14="http://schemas.microsoft.com/office/powerpoint/2010/main" xmlns="" val="612618576"/>
+        <p14:creationId xmlns="" xmlns:p14="http://schemas.microsoft.com/office/powerpoint/2010/main" val="612618576"/>
       </p:ext>
     </p:extLst>
   </p:cSld>
@@ -24698,7 +24781,7 @@
     <a:masterClrMapping/>
   </p:clrMapOvr>
   <mc:AlternateContent xmlns:mc="http://schemas.openxmlformats.org/markup-compatibility/2006">
-    <mc:Choice xmlns:p14="http://schemas.microsoft.com/office/powerpoint/2010/main" xmlns="" Requires="p14">
+    <mc:Choice xmlns="" xmlns:p14="http://schemas.microsoft.com/office/powerpoint/2010/main" Requires="p14">
       <p:transition spd="med" p14:dur="700">
         <p:fade/>
       </p:transition>
@@ -24866,7 +24949,7 @@
     </p:spTree>
     <p:extLst>
       <p:ext uri="{BB962C8B-B14F-4D97-AF65-F5344CB8AC3E}">
-        <p14:creationId xmlns:p14="http://schemas.microsoft.com/office/powerpoint/2010/main" xmlns="" val="2139422364"/>
+        <p14:creationId xmlns="" xmlns:p14="http://schemas.microsoft.com/office/powerpoint/2010/main" val="2139422364"/>
       </p:ext>
     </p:extLst>
   </p:cSld>
@@ -24874,7 +24957,7 @@
     <a:masterClrMapping/>
   </p:clrMapOvr>
   <mc:AlternateContent xmlns:mc="http://schemas.openxmlformats.org/markup-compatibility/2006">
-    <mc:Choice xmlns:p14="http://schemas.microsoft.com/office/powerpoint/2010/main" xmlns="" Requires="p14">
+    <mc:Choice xmlns="" xmlns:p14="http://schemas.microsoft.com/office/powerpoint/2010/main" Requires="p14">
       <p:transition spd="med" p14:dur="700">
         <p:fade/>
       </p:transition>
@@ -24965,7 +25048,7 @@
             <p:ph idx="1"/>
             <p:extLst>
               <p:ext uri="{D42A27DB-BD31-4B8C-83A1-F6EECF244321}">
-                <p14:modId xmlns:p14="http://schemas.microsoft.com/office/powerpoint/2010/main" xmlns="" val="3231216329"/>
+                <p14:modId xmlns="" xmlns:p14="http://schemas.microsoft.com/office/powerpoint/2010/main" val="3231216329"/>
               </p:ext>
             </p:extLst>
           </p:nvPr>
@@ -25418,7 +25501,7 @@
     </p:spTree>
     <p:extLst>
       <p:ext uri="{BB962C8B-B14F-4D97-AF65-F5344CB8AC3E}">
-        <p14:creationId xmlns:p14="http://schemas.microsoft.com/office/powerpoint/2010/main" xmlns="" val="3069749894"/>
+        <p14:creationId xmlns="" xmlns:p14="http://schemas.microsoft.com/office/powerpoint/2010/main" val="3069749894"/>
       </p:ext>
     </p:extLst>
   </p:cSld>
@@ -25426,7 +25509,7 @@
     <a:masterClrMapping/>
   </p:clrMapOvr>
   <mc:AlternateContent xmlns:mc="http://schemas.openxmlformats.org/markup-compatibility/2006">
-    <mc:Choice xmlns:p14="http://schemas.microsoft.com/office/powerpoint/2010/main" xmlns="" Requires="p14">
+    <mc:Choice xmlns="" xmlns:p14="http://schemas.microsoft.com/office/powerpoint/2010/main" Requires="p14">
       <p:transition spd="med" p14:dur="700">
         <p:fade/>
       </p:transition>
@@ -25538,7 +25621,7 @@
           <p:nvPr>
             <p:extLst>
               <p:ext uri="{D42A27DB-BD31-4B8C-83A1-F6EECF244321}">
-                <p14:modId xmlns:p14="http://schemas.microsoft.com/office/powerpoint/2010/main" xmlns="" val="1461620983"/>
+                <p14:modId xmlns="" xmlns:p14="http://schemas.microsoft.com/office/powerpoint/2010/main" val="1461620983"/>
               </p:ext>
             </p:extLst>
           </p:nvPr>
@@ -26148,7 +26231,7 @@
     </p:spTree>
     <p:extLst>
       <p:ext uri="{BB962C8B-B14F-4D97-AF65-F5344CB8AC3E}">
-        <p14:creationId xmlns:p14="http://schemas.microsoft.com/office/powerpoint/2010/main" xmlns="" val="3851979907"/>
+        <p14:creationId xmlns="" xmlns:p14="http://schemas.microsoft.com/office/powerpoint/2010/main" val="3851979907"/>
       </p:ext>
     </p:extLst>
   </p:cSld>
@@ -26156,7 +26239,7 @@
     <a:masterClrMapping/>
   </p:clrMapOvr>
   <mc:AlternateContent xmlns:mc="http://schemas.openxmlformats.org/markup-compatibility/2006">
-    <mc:Choice xmlns:p14="http://schemas.microsoft.com/office/powerpoint/2010/main" xmlns="" Requires="p14">
+    <mc:Choice xmlns="" xmlns:p14="http://schemas.microsoft.com/office/powerpoint/2010/main" Requires="p14">
       <p:transition spd="med" p14:dur="700">
         <p:fade/>
       </p:transition>
@@ -26335,7 +26418,7 @@
     </p:spTree>
     <p:extLst>
       <p:ext uri="{BB962C8B-B14F-4D97-AF65-F5344CB8AC3E}">
-        <p14:creationId xmlns:p14="http://schemas.microsoft.com/office/powerpoint/2010/main" xmlns="" val="4260805373"/>
+        <p14:creationId xmlns="" xmlns:p14="http://schemas.microsoft.com/office/powerpoint/2010/main" val="4260805373"/>
       </p:ext>
     </p:extLst>
   </p:cSld>
@@ -26343,7 +26426,7 @@
     <a:masterClrMapping/>
   </p:clrMapOvr>
   <mc:AlternateContent xmlns:mc="http://schemas.openxmlformats.org/markup-compatibility/2006">
-    <mc:Choice xmlns:p14="http://schemas.microsoft.com/office/powerpoint/2010/main" xmlns="" Requires="p14">
+    <mc:Choice xmlns="" xmlns:p14="http://schemas.microsoft.com/office/powerpoint/2010/main" Requires="p14">
       <p:transition spd="med" p14:dur="700">
         <p:fade/>
       </p:transition>
@@ -26434,7 +26517,7 @@
             <p:ph idx="1"/>
             <p:extLst>
               <p:ext uri="{D42A27DB-BD31-4B8C-83A1-F6EECF244321}">
-                <p14:modId xmlns:p14="http://schemas.microsoft.com/office/powerpoint/2010/main" xmlns="" val="3989054343"/>
+                <p14:modId xmlns="" xmlns:p14="http://schemas.microsoft.com/office/powerpoint/2010/main" val="3989054343"/>
               </p:ext>
             </p:extLst>
           </p:nvPr>
@@ -26859,7 +26942,7 @@
     </p:spTree>
     <p:extLst>
       <p:ext uri="{BB962C8B-B14F-4D97-AF65-F5344CB8AC3E}">
-        <p14:creationId xmlns:p14="http://schemas.microsoft.com/office/powerpoint/2010/main" xmlns="" val="1597926359"/>
+        <p14:creationId xmlns="" xmlns:p14="http://schemas.microsoft.com/office/powerpoint/2010/main" val="1597926359"/>
       </p:ext>
     </p:extLst>
   </p:cSld>
@@ -26867,7 +26950,7 @@
     <a:masterClrMapping/>
   </p:clrMapOvr>
   <mc:AlternateContent xmlns:mc="http://schemas.openxmlformats.org/markup-compatibility/2006">
-    <mc:Choice xmlns:p14="http://schemas.microsoft.com/office/powerpoint/2010/main" xmlns="" Requires="p14">
+    <mc:Choice xmlns="" xmlns:p14="http://schemas.microsoft.com/office/powerpoint/2010/main" Requires="p14">
       <p:transition spd="med" p14:dur="700">
         <p:fade/>
       </p:transition>
@@ -27017,7 +27100,7 @@
     </p:spTree>
     <p:extLst>
       <p:ext uri="{BB962C8B-B14F-4D97-AF65-F5344CB8AC3E}">
-        <p14:creationId xmlns:p14="http://schemas.microsoft.com/office/powerpoint/2010/main" xmlns="" val="587936630"/>
+        <p14:creationId xmlns="" xmlns:p14="http://schemas.microsoft.com/office/powerpoint/2010/main" val="587936630"/>
       </p:ext>
     </p:extLst>
   </p:cSld>
@@ -27025,7 +27108,7 @@
     <a:masterClrMapping/>
   </p:clrMapOvr>
   <mc:AlternateContent xmlns:mc="http://schemas.openxmlformats.org/markup-compatibility/2006">
-    <mc:Choice xmlns:p14="http://schemas.microsoft.com/office/powerpoint/2010/main" xmlns="" Requires="p14">
+    <mc:Choice xmlns="" xmlns:p14="http://schemas.microsoft.com/office/powerpoint/2010/main" Requires="p14">
       <p:transition spd="med" p14:dur="700">
         <p:fade/>
       </p:transition>
@@ -27152,7 +27235,7 @@
           <p:nvPr>
             <p:extLst>
               <p:ext uri="{D42A27DB-BD31-4B8C-83A1-F6EECF244321}">
-                <p14:modId xmlns:p14="http://schemas.microsoft.com/office/powerpoint/2010/main" xmlns="" val="1856018833"/>
+                <p14:modId xmlns="" xmlns:p14="http://schemas.microsoft.com/office/powerpoint/2010/main" val="1856018833"/>
               </p:ext>
             </p:extLst>
           </p:nvPr>
@@ -27550,7 +27633,7 @@
     </p:spTree>
     <p:extLst>
       <p:ext uri="{BB962C8B-B14F-4D97-AF65-F5344CB8AC3E}">
-        <p14:creationId xmlns:p14="http://schemas.microsoft.com/office/powerpoint/2010/main" xmlns="" val="3069729782"/>
+        <p14:creationId xmlns="" xmlns:p14="http://schemas.microsoft.com/office/powerpoint/2010/main" val="3069729782"/>
       </p:ext>
     </p:extLst>
   </p:cSld>
@@ -27558,7 +27641,7 @@
     <a:masterClrMapping/>
   </p:clrMapOvr>
   <mc:AlternateContent xmlns:mc="http://schemas.openxmlformats.org/markup-compatibility/2006">
-    <mc:Choice xmlns:p14="http://schemas.microsoft.com/office/powerpoint/2010/main" xmlns="" Requires="p14">
+    <mc:Choice xmlns="" xmlns:p14="http://schemas.microsoft.com/office/powerpoint/2010/main" Requires="p14">
       <p:transition spd="med" p14:dur="700">
         <p:fade/>
       </p:transition>
@@ -27683,7 +27766,7 @@
           <a:blip r:embed="rId2">
             <a:extLst>
               <a:ext uri="{28A0092B-C50C-407E-A947-70E740481C1C}">
-                <a14:useLocalDpi xmlns:a14="http://schemas.microsoft.com/office/drawing/2010/main" xmlns="" val="0"/>
+                <a14:useLocalDpi xmlns="" xmlns:a14="http://schemas.microsoft.com/office/drawing/2010/main" val="0"/>
               </a:ext>
             </a:extLst>
           </a:blip>
@@ -27703,7 +27786,7 @@
     </p:spTree>
     <p:extLst>
       <p:ext uri="{BB962C8B-B14F-4D97-AF65-F5344CB8AC3E}">
-        <p14:creationId xmlns:p14="http://schemas.microsoft.com/office/powerpoint/2010/main" xmlns="" val="3101119734"/>
+        <p14:creationId xmlns="" xmlns:p14="http://schemas.microsoft.com/office/powerpoint/2010/main" val="3101119734"/>
       </p:ext>
     </p:extLst>
   </p:cSld>
@@ -27711,7 +27794,7 @@
     <a:masterClrMapping/>
   </p:clrMapOvr>
   <mc:AlternateContent xmlns:mc="http://schemas.openxmlformats.org/markup-compatibility/2006">
-    <mc:Choice xmlns:p14="http://schemas.microsoft.com/office/powerpoint/2010/main" xmlns="" Requires="p14">
+    <mc:Choice xmlns="" xmlns:p14="http://schemas.microsoft.com/office/powerpoint/2010/main" Requires="p14">
       <p:transition spd="med" p14:dur="700">
         <p:fade/>
       </p:transition>
@@ -27808,7 +27891,7 @@
             <p:ph idx="1"/>
             <p:extLst>
               <p:ext uri="{D42A27DB-BD31-4B8C-83A1-F6EECF244321}">
-                <p14:modId xmlns:p14="http://schemas.microsoft.com/office/powerpoint/2010/main" xmlns="" val="543990625"/>
+                <p14:modId xmlns="" xmlns:p14="http://schemas.microsoft.com/office/powerpoint/2010/main" val="543990625"/>
               </p:ext>
             </p:extLst>
           </p:nvPr>
@@ -28245,7 +28328,7 @@
     </p:spTree>
     <p:extLst>
       <p:ext uri="{BB962C8B-B14F-4D97-AF65-F5344CB8AC3E}">
-        <p14:creationId xmlns:p14="http://schemas.microsoft.com/office/powerpoint/2010/main" xmlns="" val="1705138575"/>
+        <p14:creationId xmlns="" xmlns:p14="http://schemas.microsoft.com/office/powerpoint/2010/main" val="1705138575"/>
       </p:ext>
     </p:extLst>
   </p:cSld>
@@ -28253,7 +28336,7 @@
     <a:masterClrMapping/>
   </p:clrMapOvr>
   <mc:AlternateContent xmlns:mc="http://schemas.openxmlformats.org/markup-compatibility/2006">
-    <mc:Choice xmlns:p14="http://schemas.microsoft.com/office/powerpoint/2010/main" xmlns="" Requires="p14">
+    <mc:Choice xmlns="" xmlns:p14="http://schemas.microsoft.com/office/powerpoint/2010/main" Requires="p14">
       <p:transition spd="med" p14:dur="700">
         <p:fade/>
       </p:transition>
@@ -28344,7 +28427,7 @@
             <p:ph idx="1"/>
             <p:extLst>
               <p:ext uri="{D42A27DB-BD31-4B8C-83A1-F6EECF244321}">
-                <p14:modId xmlns:p14="http://schemas.microsoft.com/office/powerpoint/2010/main" xmlns="" val="1278798539"/>
+                <p14:modId xmlns="" xmlns:p14="http://schemas.microsoft.com/office/powerpoint/2010/main" val="1278798539"/>
               </p:ext>
             </p:extLst>
           </p:nvPr>
@@ -28530,7 +28613,7 @@
     </p:spTree>
     <p:extLst>
       <p:ext uri="{BB962C8B-B14F-4D97-AF65-F5344CB8AC3E}">
-        <p14:creationId xmlns:p14="http://schemas.microsoft.com/office/powerpoint/2010/main" xmlns="" val="2267789983"/>
+        <p14:creationId xmlns="" xmlns:p14="http://schemas.microsoft.com/office/powerpoint/2010/main" val="2267789983"/>
       </p:ext>
     </p:extLst>
   </p:cSld>
@@ -28538,7 +28621,7 @@
     <a:masterClrMapping/>
   </p:clrMapOvr>
   <mc:AlternateContent xmlns:mc="http://schemas.openxmlformats.org/markup-compatibility/2006">
-    <mc:Choice xmlns:p14="http://schemas.microsoft.com/office/powerpoint/2010/main" xmlns="" Requires="p14">
+    <mc:Choice xmlns="" xmlns:p14="http://schemas.microsoft.com/office/powerpoint/2010/main" Requires="p14">
       <p:transition spd="med" p14:dur="700">
         <p:fade/>
       </p:transition>
@@ -28718,7 +28801,7 @@
     </p:spTree>
     <p:extLst>
       <p:ext uri="{BB962C8B-B14F-4D97-AF65-F5344CB8AC3E}">
-        <p14:creationId xmlns:p14="http://schemas.microsoft.com/office/powerpoint/2010/main" xmlns="" val="1457472289"/>
+        <p14:creationId xmlns="" xmlns:p14="http://schemas.microsoft.com/office/powerpoint/2010/main" val="1457472289"/>
       </p:ext>
     </p:extLst>
   </p:cSld>
@@ -28726,7 +28809,7 @@
     <a:masterClrMapping/>
   </p:clrMapOvr>
   <mc:AlternateContent xmlns:mc="http://schemas.openxmlformats.org/markup-compatibility/2006">
-    <mc:Choice xmlns:p14="http://schemas.microsoft.com/office/powerpoint/2010/main" xmlns="" Requires="p14">
+    <mc:Choice xmlns="" xmlns:p14="http://schemas.microsoft.com/office/powerpoint/2010/main" Requires="p14">
       <p:transition spd="med" p14:dur="700">
         <p:fade/>
       </p:transition>
@@ -28835,7 +28918,7 @@
             <p:ph idx="1"/>
             <p:extLst>
               <p:ext uri="{D42A27DB-BD31-4B8C-83A1-F6EECF244321}">
-                <p14:modId xmlns:p14="http://schemas.microsoft.com/office/powerpoint/2010/main" xmlns="" val="3952097728"/>
+                <p14:modId xmlns="" xmlns:p14="http://schemas.microsoft.com/office/powerpoint/2010/main" val="3952097728"/>
               </p:ext>
             </p:extLst>
           </p:nvPr>
@@ -29391,7 +29474,7 @@
     </p:spTree>
     <p:extLst>
       <p:ext uri="{BB962C8B-B14F-4D97-AF65-F5344CB8AC3E}">
-        <p14:creationId xmlns:p14="http://schemas.microsoft.com/office/powerpoint/2010/main" xmlns="" val="3291694439"/>
+        <p14:creationId xmlns="" xmlns:p14="http://schemas.microsoft.com/office/powerpoint/2010/main" val="3291694439"/>
       </p:ext>
     </p:extLst>
   </p:cSld>
@@ -29399,7 +29482,7 @@
     <a:masterClrMapping/>
   </p:clrMapOvr>
   <mc:AlternateContent xmlns:mc="http://schemas.openxmlformats.org/markup-compatibility/2006">
-    <mc:Choice xmlns:p14="http://schemas.microsoft.com/office/powerpoint/2010/main" xmlns="" Requires="p14">
+    <mc:Choice xmlns="" xmlns:p14="http://schemas.microsoft.com/office/powerpoint/2010/main" Requires="p14">
       <p:transition spd="med" p14:dur="700">
         <p:fade/>
       </p:transition>
@@ -29555,7 +29638,7 @@
     </p:spTree>
     <p:extLst>
       <p:ext uri="{BB962C8B-B14F-4D97-AF65-F5344CB8AC3E}">
-        <p14:creationId xmlns:p14="http://schemas.microsoft.com/office/powerpoint/2010/main" xmlns="" val="2867830432"/>
+        <p14:creationId xmlns="" xmlns:p14="http://schemas.microsoft.com/office/powerpoint/2010/main" val="2867830432"/>
       </p:ext>
     </p:extLst>
   </p:cSld>
@@ -29563,7 +29646,7 @@
     <a:masterClrMapping/>
   </p:clrMapOvr>
   <mc:AlternateContent xmlns:mc="http://schemas.openxmlformats.org/markup-compatibility/2006">
-    <mc:Choice xmlns:p14="http://schemas.microsoft.com/office/powerpoint/2010/main" xmlns="" Requires="p14">
+    <mc:Choice xmlns="" xmlns:p14="http://schemas.microsoft.com/office/powerpoint/2010/main" Requires="p14">
       <p:transition spd="med" p14:dur="700">
         <p:fade/>
       </p:transition>
@@ -29675,7 +29758,7 @@
           <a:blip r:embed="rId2">
             <a:extLst>
               <a:ext uri="{28A0092B-C50C-407E-A947-70E740481C1C}">
-                <a14:useLocalDpi xmlns:a14="http://schemas.microsoft.com/office/drawing/2010/main" xmlns="" val="0"/>
+                <a14:useLocalDpi xmlns="" xmlns:a14="http://schemas.microsoft.com/office/drawing/2010/main" val="0"/>
               </a:ext>
             </a:extLst>
           </a:blip>
@@ -29695,7 +29778,7 @@
     </p:spTree>
     <p:extLst>
       <p:ext uri="{BB962C8B-B14F-4D97-AF65-F5344CB8AC3E}">
-        <p14:creationId xmlns:p14="http://schemas.microsoft.com/office/powerpoint/2010/main" xmlns="" val="3063760635"/>
+        <p14:creationId xmlns="" xmlns:p14="http://schemas.microsoft.com/office/powerpoint/2010/main" val="3063760635"/>
       </p:ext>
     </p:extLst>
   </p:cSld>
@@ -29703,7 +29786,7 @@
     <a:masterClrMapping/>
   </p:clrMapOvr>
   <mc:AlternateContent xmlns:mc="http://schemas.openxmlformats.org/markup-compatibility/2006">
-    <mc:Choice xmlns:p14="http://schemas.microsoft.com/office/powerpoint/2010/main" xmlns="" Requires="p14">
+    <mc:Choice xmlns="" xmlns:p14="http://schemas.microsoft.com/office/powerpoint/2010/main" Requires="p14">
       <p:transition spd="med" p14:dur="700">
         <p:fade/>
       </p:transition>
@@ -29813,7 +29896,7 @@
             <p:ph idx="1"/>
             <p:extLst>
               <p:ext uri="{D42A27DB-BD31-4B8C-83A1-F6EECF244321}">
-                <p14:modId xmlns:p14="http://schemas.microsoft.com/office/powerpoint/2010/main" xmlns="" val="4287783753"/>
+                <p14:modId xmlns="" xmlns:p14="http://schemas.microsoft.com/office/powerpoint/2010/main" val="4287783753"/>
               </p:ext>
             </p:extLst>
           </p:nvPr>
@@ -30395,7 +30478,7 @@
     </p:spTree>
     <p:extLst>
       <p:ext uri="{BB962C8B-B14F-4D97-AF65-F5344CB8AC3E}">
-        <p14:creationId xmlns:p14="http://schemas.microsoft.com/office/powerpoint/2010/main" xmlns="" val="674072548"/>
+        <p14:creationId xmlns="" xmlns:p14="http://schemas.microsoft.com/office/powerpoint/2010/main" val="674072548"/>
       </p:ext>
     </p:extLst>
   </p:cSld>
@@ -30403,7 +30486,7 @@
     <a:masterClrMapping/>
   </p:clrMapOvr>
   <mc:AlternateContent xmlns:mc="http://schemas.openxmlformats.org/markup-compatibility/2006">
-    <mc:Choice xmlns:p14="http://schemas.microsoft.com/office/powerpoint/2010/main" xmlns="" Requires="p14">
+    <mc:Choice xmlns="" xmlns:p14="http://schemas.microsoft.com/office/powerpoint/2010/main" Requires="p14">
       <p:transition spd="med" p14:dur="700">
         <p:fade/>
       </p:transition>
@@ -30572,7 +30655,7 @@
     </p:spTree>
     <p:extLst>
       <p:ext uri="{BB962C8B-B14F-4D97-AF65-F5344CB8AC3E}">
-        <p14:creationId xmlns:p14="http://schemas.microsoft.com/office/powerpoint/2010/main" xmlns="" val="2829033369"/>
+        <p14:creationId xmlns="" xmlns:p14="http://schemas.microsoft.com/office/powerpoint/2010/main" val="2829033369"/>
       </p:ext>
     </p:extLst>
   </p:cSld>
@@ -30580,7 +30663,7 @@
     <a:masterClrMapping/>
   </p:clrMapOvr>
   <mc:AlternateContent xmlns:mc="http://schemas.openxmlformats.org/markup-compatibility/2006">
-    <mc:Choice xmlns:p14="http://schemas.microsoft.com/office/powerpoint/2010/main" xmlns="" Requires="p14">
+    <mc:Choice xmlns="" xmlns:p14="http://schemas.microsoft.com/office/powerpoint/2010/main" Requires="p14">
       <p:transition spd="med" p14:dur="700">
         <p:fade/>
       </p:transition>
@@ -30664,7 +30747,7 @@
           <p:nvPr>
             <p:extLst>
               <p:ext uri="{D42A27DB-BD31-4B8C-83A1-F6EECF244321}">
-                <p14:modId xmlns:p14="http://schemas.microsoft.com/office/powerpoint/2010/main" xmlns="" val="1474818827"/>
+                <p14:modId xmlns="" xmlns:p14="http://schemas.microsoft.com/office/powerpoint/2010/main" val="1474818827"/>
               </p:ext>
             </p:extLst>
           </p:nvPr>
@@ -30939,7 +31022,7 @@
     </p:spTree>
     <p:extLst>
       <p:ext uri="{BB962C8B-B14F-4D97-AF65-F5344CB8AC3E}">
-        <p14:creationId xmlns:p14="http://schemas.microsoft.com/office/powerpoint/2010/main" xmlns="" val="1539219543"/>
+        <p14:creationId xmlns="" xmlns:p14="http://schemas.microsoft.com/office/powerpoint/2010/main" val="1539219543"/>
       </p:ext>
     </p:extLst>
   </p:cSld>
@@ -30947,7 +31030,7 @@
     <a:masterClrMapping/>
   </p:clrMapOvr>
   <mc:AlternateContent xmlns:mc="http://schemas.openxmlformats.org/markup-compatibility/2006">
-    <mc:Choice xmlns:p14="http://schemas.microsoft.com/office/powerpoint/2010/main" xmlns="" Requires="p14">
+    <mc:Choice xmlns="" xmlns:p14="http://schemas.microsoft.com/office/powerpoint/2010/main" Requires="p14">
       <p:transition spd="med" p14:dur="700">
         <p:fade/>
       </p:transition>
@@ -31035,7 +31118,7 @@
           <a:blip r:embed="rId2">
             <a:extLst>
               <a:ext uri="{28A0092B-C50C-407E-A947-70E740481C1C}">
-                <a14:useLocalDpi xmlns:a14="http://schemas.microsoft.com/office/drawing/2010/main" xmlns="" val="0"/>
+                <a14:useLocalDpi xmlns="" xmlns:a14="http://schemas.microsoft.com/office/drawing/2010/main" val="0"/>
               </a:ext>
             </a:extLst>
           </a:blip>
@@ -31055,7 +31138,7 @@
     </p:spTree>
     <p:extLst>
       <p:ext uri="{BB962C8B-B14F-4D97-AF65-F5344CB8AC3E}">
-        <p14:creationId xmlns:p14="http://schemas.microsoft.com/office/powerpoint/2010/main" xmlns="" val="3528628454"/>
+        <p14:creationId xmlns="" xmlns:p14="http://schemas.microsoft.com/office/powerpoint/2010/main" val="3528628454"/>
       </p:ext>
     </p:extLst>
   </p:cSld>
@@ -31063,7 +31146,7 @@
     <a:masterClrMapping/>
   </p:clrMapOvr>
   <mc:AlternateContent xmlns:mc="http://schemas.openxmlformats.org/markup-compatibility/2006">
-    <mc:Choice xmlns:p14="http://schemas.microsoft.com/office/powerpoint/2010/main" xmlns="" Requires="p14">
+    <mc:Choice xmlns="" xmlns:p14="http://schemas.microsoft.com/office/powerpoint/2010/main" Requires="p14">
       <p:transition spd="med" p14:dur="700">
         <p:fade/>
       </p:transition>
@@ -31111,7 +31194,7 @@
             <p:ph idx="1"/>
             <p:extLst>
               <p:ext uri="{D42A27DB-BD31-4B8C-83A1-F6EECF244321}">
-                <p14:modId xmlns:p14="http://schemas.microsoft.com/office/powerpoint/2010/main" xmlns="" val="2188670947"/>
+                <p14:modId xmlns="" xmlns:p14="http://schemas.microsoft.com/office/powerpoint/2010/main" val="2188670947"/>
               </p:ext>
             </p:extLst>
           </p:nvPr>
@@ -31549,7 +31632,7 @@
     </p:spTree>
     <p:extLst>
       <p:ext uri="{BB962C8B-B14F-4D97-AF65-F5344CB8AC3E}">
-        <p14:creationId xmlns:p14="http://schemas.microsoft.com/office/powerpoint/2010/main" xmlns="" val="3775645051"/>
+        <p14:creationId xmlns="" xmlns:p14="http://schemas.microsoft.com/office/powerpoint/2010/main" val="3775645051"/>
       </p:ext>
     </p:extLst>
   </p:cSld>
@@ -31557,7 +31640,7 @@
     <a:masterClrMapping/>
   </p:clrMapOvr>
   <mc:AlternateContent xmlns:mc="http://schemas.openxmlformats.org/markup-compatibility/2006">
-    <mc:Choice xmlns:p14="http://schemas.microsoft.com/office/powerpoint/2010/main" xmlns="" Requires="p14">
+    <mc:Choice xmlns="" xmlns:p14="http://schemas.microsoft.com/office/powerpoint/2010/main" Requires="p14">
       <p:transition spd="med" p14:dur="700">
         <p:fade/>
       </p:transition>
@@ -31605,7 +31688,7 @@
             <p:ph idx="1"/>
             <p:extLst>
               <p:ext uri="{D42A27DB-BD31-4B8C-83A1-F6EECF244321}">
-                <p14:modId xmlns:p14="http://schemas.microsoft.com/office/powerpoint/2010/main" xmlns="" val="3799360189"/>
+                <p14:modId xmlns="" xmlns:p14="http://schemas.microsoft.com/office/powerpoint/2010/main" val="3799360189"/>
               </p:ext>
             </p:extLst>
           </p:nvPr>
@@ -31804,7 +31887,7 @@
     </p:spTree>
     <p:extLst>
       <p:ext uri="{BB962C8B-B14F-4D97-AF65-F5344CB8AC3E}">
-        <p14:creationId xmlns:p14="http://schemas.microsoft.com/office/powerpoint/2010/main" xmlns="" val="2127683931"/>
+        <p14:creationId xmlns="" xmlns:p14="http://schemas.microsoft.com/office/powerpoint/2010/main" val="2127683931"/>
       </p:ext>
     </p:extLst>
   </p:cSld>
@@ -31812,7 +31895,7 @@
     <a:masterClrMapping/>
   </p:clrMapOvr>
   <mc:AlternateContent xmlns:mc="http://schemas.openxmlformats.org/markup-compatibility/2006">
-    <mc:Choice xmlns:p14="http://schemas.microsoft.com/office/powerpoint/2010/main" xmlns="" Requires="p14">
+    <mc:Choice xmlns="" xmlns:p14="http://schemas.microsoft.com/office/powerpoint/2010/main" Requires="p14">
       <p:transition spd="med" p14:dur="700">
         <p:fade/>
       </p:transition>
@@ -31929,7 +32012,7 @@
     </p:spTree>
     <p:extLst>
       <p:ext uri="{BB962C8B-B14F-4D97-AF65-F5344CB8AC3E}">
-        <p14:creationId xmlns:p14="http://schemas.microsoft.com/office/powerpoint/2010/main" xmlns="" val="2839257207"/>
+        <p14:creationId xmlns="" xmlns:p14="http://schemas.microsoft.com/office/powerpoint/2010/main" val="2839257207"/>
       </p:ext>
     </p:extLst>
   </p:cSld>
@@ -31937,7 +32020,7 @@
     <a:masterClrMapping/>
   </p:clrMapOvr>
   <mc:AlternateContent xmlns:mc="http://schemas.openxmlformats.org/markup-compatibility/2006">
-    <mc:Choice xmlns:p14="http://schemas.microsoft.com/office/powerpoint/2010/main" xmlns="" Requires="p14">
+    <mc:Choice xmlns="" xmlns:p14="http://schemas.microsoft.com/office/powerpoint/2010/main" Requires="p14">
       <p:transition spd="med" p14:dur="700">
         <p:fade/>
       </p:transition>
@@ -31985,7 +32068,7 @@
             <p:ph idx="1"/>
             <p:extLst>
               <p:ext uri="{D42A27DB-BD31-4B8C-83A1-F6EECF244321}">
-                <p14:modId xmlns:p14="http://schemas.microsoft.com/office/powerpoint/2010/main" xmlns="" val="526516143"/>
+                <p14:modId xmlns="" xmlns:p14="http://schemas.microsoft.com/office/powerpoint/2010/main" val="526516143"/>
               </p:ext>
             </p:extLst>
           </p:nvPr>
@@ -32468,7 +32551,7 @@
     </p:spTree>
     <p:extLst>
       <p:ext uri="{BB962C8B-B14F-4D97-AF65-F5344CB8AC3E}">
-        <p14:creationId xmlns:p14="http://schemas.microsoft.com/office/powerpoint/2010/main" xmlns="" val="907292883"/>
+        <p14:creationId xmlns="" xmlns:p14="http://schemas.microsoft.com/office/powerpoint/2010/main" val="907292883"/>
       </p:ext>
     </p:extLst>
   </p:cSld>
@@ -32476,7 +32559,7 @@
     <a:masterClrMapping/>
   </p:clrMapOvr>
   <mc:AlternateContent xmlns:mc="http://schemas.openxmlformats.org/markup-compatibility/2006">
-    <mc:Choice xmlns:p14="http://schemas.microsoft.com/office/powerpoint/2010/main" xmlns="" Requires="p14">
+    <mc:Choice xmlns="" xmlns:p14="http://schemas.microsoft.com/office/powerpoint/2010/main" Requires="p14">
       <p:transition spd="med" p14:dur="700">
         <p:fade/>
       </p:transition>
@@ -32524,7 +32607,7 @@
             <p:ph idx="1"/>
             <p:extLst>
               <p:ext uri="{D42A27DB-BD31-4B8C-83A1-F6EECF244321}">
-                <p14:modId xmlns:p14="http://schemas.microsoft.com/office/powerpoint/2010/main" xmlns="" val="1546461970"/>
+                <p14:modId xmlns="" xmlns:p14="http://schemas.microsoft.com/office/powerpoint/2010/main" val="1546461970"/>
               </p:ext>
             </p:extLst>
           </p:nvPr>
@@ -32734,7 +32817,7 @@
     </p:spTree>
     <p:extLst>
       <p:ext uri="{BB962C8B-B14F-4D97-AF65-F5344CB8AC3E}">
-        <p14:creationId xmlns:p14="http://schemas.microsoft.com/office/powerpoint/2010/main" xmlns="" val="1179568914"/>
+        <p14:creationId xmlns="" xmlns:p14="http://schemas.microsoft.com/office/powerpoint/2010/main" val="1179568914"/>
       </p:ext>
     </p:extLst>
   </p:cSld>
@@ -32742,7 +32825,7 @@
     <a:masterClrMapping/>
   </p:clrMapOvr>
   <mc:AlternateContent xmlns:mc="http://schemas.openxmlformats.org/markup-compatibility/2006">
-    <mc:Choice xmlns:p14="http://schemas.microsoft.com/office/powerpoint/2010/main" xmlns="" Requires="p14">
+    <mc:Choice xmlns="" xmlns:p14="http://schemas.microsoft.com/office/powerpoint/2010/main" Requires="p14">
       <p:transition spd="med" p14:dur="700">
         <p:fade/>
       </p:transition>
@@ -32870,7 +32953,7 @@
     </p:spTree>
     <p:extLst>
       <p:ext uri="{BB962C8B-B14F-4D97-AF65-F5344CB8AC3E}">
-        <p14:creationId xmlns:p14="http://schemas.microsoft.com/office/powerpoint/2010/main" xmlns="" val="1136829179"/>
+        <p14:creationId xmlns="" xmlns:p14="http://schemas.microsoft.com/office/powerpoint/2010/main" val="1136829179"/>
       </p:ext>
     </p:extLst>
   </p:cSld>
@@ -32878,7 +32961,7 @@
     <a:masterClrMapping/>
   </p:clrMapOvr>
   <mc:AlternateContent xmlns:mc="http://schemas.openxmlformats.org/markup-compatibility/2006">
-    <mc:Choice xmlns:p14="http://schemas.microsoft.com/office/powerpoint/2010/main" xmlns="" Requires="p14">
+    <mc:Choice xmlns="" xmlns:p14="http://schemas.microsoft.com/office/powerpoint/2010/main" Requires="p14">
       <p:transition spd="med" p14:dur="700">
         <p:fade/>
       </p:transition>
@@ -32959,7 +33042,7 @@
             <p:ph idx="1"/>
             <p:extLst>
               <p:ext uri="{D42A27DB-BD31-4B8C-83A1-F6EECF244321}">
-                <p14:modId xmlns:p14="http://schemas.microsoft.com/office/powerpoint/2010/main" xmlns="" val="3083321216"/>
+                <p14:modId xmlns="" xmlns:p14="http://schemas.microsoft.com/office/powerpoint/2010/main" val="3083321216"/>
               </p:ext>
             </p:extLst>
           </p:nvPr>
@@ -33356,7 +33439,7 @@
     </p:spTree>
     <p:extLst>
       <p:ext uri="{BB962C8B-B14F-4D97-AF65-F5344CB8AC3E}">
-        <p14:creationId xmlns:p14="http://schemas.microsoft.com/office/powerpoint/2010/main" xmlns="" val="3314941127"/>
+        <p14:creationId xmlns="" xmlns:p14="http://schemas.microsoft.com/office/powerpoint/2010/main" val="3314941127"/>
       </p:ext>
     </p:extLst>
   </p:cSld>
@@ -33364,7 +33447,7 @@
     <a:masterClrMapping/>
   </p:clrMapOvr>
   <mc:AlternateContent xmlns:mc="http://schemas.openxmlformats.org/markup-compatibility/2006">
-    <mc:Choice xmlns:p14="http://schemas.microsoft.com/office/powerpoint/2010/main" xmlns="" Requires="p14">
+    <mc:Choice xmlns="" xmlns:p14="http://schemas.microsoft.com/office/powerpoint/2010/main" Requires="p14">
       <p:transition spd="med" p14:dur="700">
         <p:fade/>
       </p:transition>
@@ -33482,7 +33565,7 @@
     </p:spTree>
     <p:extLst>
       <p:ext uri="{BB962C8B-B14F-4D97-AF65-F5344CB8AC3E}">
-        <p14:creationId xmlns:p14="http://schemas.microsoft.com/office/powerpoint/2010/main" xmlns="" val="1824113008"/>
+        <p14:creationId xmlns="" xmlns:p14="http://schemas.microsoft.com/office/powerpoint/2010/main" val="1824113008"/>
       </p:ext>
     </p:extLst>
   </p:cSld>
@@ -33490,7 +33573,7 @@
     <a:masterClrMapping/>
   </p:clrMapOvr>
   <mc:AlternateContent xmlns:mc="http://schemas.openxmlformats.org/markup-compatibility/2006">
-    <mc:Choice xmlns:p14="http://schemas.microsoft.com/office/powerpoint/2010/main" xmlns="" Requires="p14">
+    <mc:Choice xmlns="" xmlns:p14="http://schemas.microsoft.com/office/powerpoint/2010/main" Requires="p14">
       <p:transition spd="med" p14:dur="700">
         <p:fade/>
       </p:transition>
@@ -33559,7 +33642,7 @@
             <p:ph idx="1"/>
             <p:extLst>
               <p:ext uri="{D42A27DB-BD31-4B8C-83A1-F6EECF244321}">
-                <p14:modId xmlns:p14="http://schemas.microsoft.com/office/powerpoint/2010/main" xmlns="" val="2753114159"/>
+                <p14:modId xmlns="" xmlns:p14="http://schemas.microsoft.com/office/powerpoint/2010/main" val="2753114159"/>
               </p:ext>
             </p:extLst>
           </p:nvPr>
@@ -33737,7 +33820,7 @@
     </p:spTree>
     <p:extLst>
       <p:ext uri="{BB962C8B-B14F-4D97-AF65-F5344CB8AC3E}">
-        <p14:creationId xmlns:p14="http://schemas.microsoft.com/office/powerpoint/2010/main" xmlns="" val="864474928"/>
+        <p14:creationId xmlns="" xmlns:p14="http://schemas.microsoft.com/office/powerpoint/2010/main" val="864474928"/>
       </p:ext>
     </p:extLst>
   </p:cSld>
@@ -33745,7 +33828,7 @@
     <a:masterClrMapping/>
   </p:clrMapOvr>
   <mc:AlternateContent xmlns:mc="http://schemas.openxmlformats.org/markup-compatibility/2006">
-    <mc:Choice xmlns:p14="http://schemas.microsoft.com/office/powerpoint/2010/main" xmlns="" Requires="p14">
+    <mc:Choice xmlns="" xmlns:p14="http://schemas.microsoft.com/office/powerpoint/2010/main" Requires="p14">
       <p:transition spd="med" p14:dur="700">
         <p:fade/>
       </p:transition>
@@ -34029,7 +34112,7 @@
   <a:extraClrSchemeLst/>
   <a:extLst>
     <a:ext uri="{05A4C25C-085E-4340-85A3-A5531E510DB2}">
-      <thm15:themeFamily xmlns:thm15="http://schemas.microsoft.com/office/thememl/2012/main" xmlns="" name="Dividend" id="{9697A71B-4AB7-4A1A-BD5B-BB2D22835B57}" vid="{C21699FF-00E4-43C8-BBCC-D7E5536C3717}"/>
+      <thm15:themeFamily xmlns="" xmlns:thm15="http://schemas.microsoft.com/office/thememl/2012/main" name="Dividend" id="{9697A71B-4AB7-4A1A-BD5B-BB2D22835B57}" vid="{C21699FF-00E4-43C8-BBCC-D7E5536C3717}"/>
     </a:ext>
   </a:extLst>
 </a:theme>
